--- a/0703.pptx
+++ b/0703.pptx
@@ -5,22 +5,26 @@
     <p:sldMasterId id="2147483648" r:id="rId1"/>
   </p:sldMasterIdLst>
   <p:sldIdLst>
-    <p:sldId id="257" r:id="rId2"/>
-    <p:sldId id="258" r:id="rId3"/>
-    <p:sldId id="259" r:id="rId4"/>
-    <p:sldId id="260" r:id="rId5"/>
-    <p:sldId id="262" r:id="rId6"/>
-    <p:sldId id="264" r:id="rId7"/>
-    <p:sldId id="266" r:id="rId8"/>
-    <p:sldId id="267" r:id="rId9"/>
-    <p:sldId id="268" r:id="rId10"/>
-    <p:sldId id="265" r:id="rId11"/>
-    <p:sldId id="263" r:id="rId12"/>
-    <p:sldId id="269" r:id="rId13"/>
-    <p:sldId id="270" r:id="rId14"/>
-    <p:sldId id="271" r:id="rId15"/>
-    <p:sldId id="272" r:id="rId16"/>
-    <p:sldId id="261" r:id="rId17"/>
+    <p:sldId id="257" r:id="rId3"/>
+    <p:sldId id="258" r:id="rId4"/>
+    <p:sldId id="259" r:id="rId5"/>
+    <p:sldId id="260" r:id="rId6"/>
+    <p:sldId id="262" r:id="rId7"/>
+    <p:sldId id="264" r:id="rId8"/>
+    <p:sldId id="266" r:id="rId9"/>
+    <p:sldId id="267" r:id="rId10"/>
+    <p:sldId id="268" r:id="rId11"/>
+    <p:sldId id="276" r:id="rId12"/>
+    <p:sldId id="277" r:id="rId13"/>
+    <p:sldId id="265" r:id="rId14"/>
+    <p:sldId id="263" r:id="rId15"/>
+    <p:sldId id="269" r:id="rId16"/>
+    <p:sldId id="270" r:id="rId17"/>
+    <p:sldId id="271" r:id="rId18"/>
+    <p:sldId id="272" r:id="rId19"/>
+    <p:sldId id="279" r:id="rId20"/>
+    <p:sldId id="280" r:id="rId21"/>
+    <p:sldId id="261" r:id="rId22"/>
   </p:sldIdLst>
   <p:sldSz cx="12192000" cy="6858000"/>
   <p:notesSz cx="6858000" cy="9144000"/>
@@ -267,8 +271,6 @@
           <a:p>
             <a:fld id="{D997B5FA-0921-464F-AAE1-844C04324D75}" type="datetimeFigureOut">
               <a:rPr lang="zh-CN" altLang="en-US" smtClean="0"/>
-              <a:pPr/>
-              <a:t>2016/7/3</a:t>
             </a:fld>
             <a:endParaRPr lang="zh-CN" altLang="en-US"/>
           </a:p>
@@ -326,19 +328,12 @@
           <a:p>
             <a:fld id="{565CE74E-AB26-4998-AD42-012C4C1AD076}" type="slidenum">
               <a:rPr lang="zh-CN" altLang="en-US" smtClean="0"/>
-              <a:pPr/>
-              <a:t>‹#›</a:t>
             </a:fld>
             <a:endParaRPr lang="zh-CN" altLang="en-US"/>
           </a:p>
         </p:txBody>
       </p:sp>
     </p:spTree>
-    <p:extLst>
-      <p:ext uri="{BB962C8B-B14F-4D97-AF65-F5344CB8AC3E}">
-        <p14:creationId xmlns="" xmlns:p14="http://schemas.microsoft.com/office/powerpoint/2010/main" val="3051827620"/>
-      </p:ext>
-    </p:extLst>
   </p:cSld>
   <p:clrMapOvr>
     <a:masterClrMapping/>
@@ -422,6 +417,7 @@
               <a:rPr lang="zh-CN" altLang="en-US" smtClean="0"/>
               <a:t>单击此处编辑母版文本样式</a:t>
             </a:r>
+            <a:endParaRPr lang="zh-CN" altLang="en-US" smtClean="0"/>
           </a:p>
           <a:p>
             <a:pPr lvl="1"/>
@@ -429,6 +425,7 @@
               <a:rPr lang="zh-CN" altLang="en-US" smtClean="0"/>
               <a:t>第二级</a:t>
             </a:r>
+            <a:endParaRPr lang="zh-CN" altLang="en-US" smtClean="0"/>
           </a:p>
           <a:p>
             <a:pPr lvl="2"/>
@@ -436,6 +433,7 @@
               <a:rPr lang="zh-CN" altLang="en-US" smtClean="0"/>
               <a:t>第三级</a:t>
             </a:r>
+            <a:endParaRPr lang="zh-CN" altLang="en-US" smtClean="0"/>
           </a:p>
           <a:p>
             <a:pPr lvl="3"/>
@@ -443,6 +441,7 @@
               <a:rPr lang="zh-CN" altLang="en-US" smtClean="0"/>
               <a:t>第四级</a:t>
             </a:r>
+            <a:endParaRPr lang="zh-CN" altLang="en-US" smtClean="0"/>
           </a:p>
           <a:p>
             <a:pPr lvl="4"/>
@@ -479,8 +478,6 @@
           <a:p>
             <a:fld id="{D997B5FA-0921-464F-AAE1-844C04324D75}" type="datetimeFigureOut">
               <a:rPr lang="zh-CN" altLang="en-US" smtClean="0"/>
-              <a:pPr/>
-              <a:t>2016/7/3</a:t>
             </a:fld>
             <a:endParaRPr lang="zh-CN" altLang="en-US"/>
           </a:p>
@@ -538,19 +535,12 @@
           <a:p>
             <a:fld id="{565CE74E-AB26-4998-AD42-012C4C1AD076}" type="slidenum">
               <a:rPr lang="zh-CN" altLang="en-US" smtClean="0"/>
-              <a:pPr/>
-              <a:t>‹#›</a:t>
             </a:fld>
             <a:endParaRPr lang="zh-CN" altLang="en-US"/>
           </a:p>
         </p:txBody>
       </p:sp>
     </p:spTree>
-    <p:extLst>
-      <p:ext uri="{BB962C8B-B14F-4D97-AF65-F5344CB8AC3E}">
-        <p14:creationId xmlns="" xmlns:p14="http://schemas.microsoft.com/office/powerpoint/2010/main" val="3188717747"/>
-      </p:ext>
-    </p:extLst>
   </p:cSld>
   <p:clrMapOvr>
     <a:masterClrMapping/>
@@ -634,6 +624,7 @@
               <a:rPr lang="zh-CN" altLang="en-US" smtClean="0"/>
               <a:t>单击此处编辑母版文本样式</a:t>
             </a:r>
+            <a:endParaRPr lang="zh-CN" altLang="en-US" smtClean="0"/>
           </a:p>
           <a:p>
             <a:pPr lvl="1"/>
@@ -641,6 +632,7 @@
               <a:rPr lang="zh-CN" altLang="en-US" smtClean="0"/>
               <a:t>第二级</a:t>
             </a:r>
+            <a:endParaRPr lang="zh-CN" altLang="en-US" smtClean="0"/>
           </a:p>
           <a:p>
             <a:pPr lvl="2"/>
@@ -648,6 +640,7 @@
               <a:rPr lang="zh-CN" altLang="en-US" smtClean="0"/>
               <a:t>第三级</a:t>
             </a:r>
+            <a:endParaRPr lang="zh-CN" altLang="en-US" smtClean="0"/>
           </a:p>
           <a:p>
             <a:pPr lvl="3"/>
@@ -655,6 +648,7 @@
               <a:rPr lang="zh-CN" altLang="en-US" smtClean="0"/>
               <a:t>第四级</a:t>
             </a:r>
+            <a:endParaRPr lang="zh-CN" altLang="en-US" smtClean="0"/>
           </a:p>
           <a:p>
             <a:pPr lvl="4"/>
@@ -691,8 +685,6 @@
           <a:p>
             <a:fld id="{D997B5FA-0921-464F-AAE1-844C04324D75}" type="datetimeFigureOut">
               <a:rPr lang="zh-CN" altLang="en-US" smtClean="0"/>
-              <a:pPr/>
-              <a:t>2016/7/3</a:t>
             </a:fld>
             <a:endParaRPr lang="zh-CN" altLang="en-US"/>
           </a:p>
@@ -750,19 +742,12 @@
           <a:p>
             <a:fld id="{565CE74E-AB26-4998-AD42-012C4C1AD076}" type="slidenum">
               <a:rPr lang="zh-CN" altLang="en-US" smtClean="0"/>
-              <a:pPr/>
-              <a:t>‹#›</a:t>
             </a:fld>
             <a:endParaRPr lang="zh-CN" altLang="en-US"/>
           </a:p>
         </p:txBody>
       </p:sp>
     </p:spTree>
-    <p:extLst>
-      <p:ext uri="{BB962C8B-B14F-4D97-AF65-F5344CB8AC3E}">
-        <p14:creationId xmlns="" xmlns:p14="http://schemas.microsoft.com/office/powerpoint/2010/main" val="4025501431"/>
-      </p:ext>
-    </p:extLst>
   </p:cSld>
   <p:clrMapOvr>
     <a:masterClrMapping/>
@@ -846,6 +831,7 @@
               <a:rPr lang="zh-CN" altLang="en-US" smtClean="0"/>
               <a:t>单击此处编辑母版文本样式</a:t>
             </a:r>
+            <a:endParaRPr lang="zh-CN" altLang="en-US" smtClean="0"/>
           </a:p>
           <a:p>
             <a:pPr lvl="1"/>
@@ -853,6 +839,7 @@
               <a:rPr lang="zh-CN" altLang="en-US" smtClean="0"/>
               <a:t>第二级</a:t>
             </a:r>
+            <a:endParaRPr lang="zh-CN" altLang="en-US" smtClean="0"/>
           </a:p>
           <a:p>
             <a:pPr lvl="2"/>
@@ -860,6 +847,7 @@
               <a:rPr lang="zh-CN" altLang="en-US" smtClean="0"/>
               <a:t>第三级</a:t>
             </a:r>
+            <a:endParaRPr lang="zh-CN" altLang="en-US" smtClean="0"/>
           </a:p>
           <a:p>
             <a:pPr lvl="3"/>
@@ -867,6 +855,7 @@
               <a:rPr lang="zh-CN" altLang="en-US" smtClean="0"/>
               <a:t>第四级</a:t>
             </a:r>
+            <a:endParaRPr lang="zh-CN" altLang="en-US" smtClean="0"/>
           </a:p>
           <a:p>
             <a:pPr lvl="4"/>
@@ -903,8 +892,6 @@
           <a:p>
             <a:fld id="{D997B5FA-0921-464F-AAE1-844C04324D75}" type="datetimeFigureOut">
               <a:rPr lang="zh-CN" altLang="en-US" smtClean="0"/>
-              <a:pPr/>
-              <a:t>2016/7/3</a:t>
             </a:fld>
             <a:endParaRPr lang="zh-CN" altLang="en-US"/>
           </a:p>
@@ -962,19 +949,12 @@
           <a:p>
             <a:fld id="{565CE74E-AB26-4998-AD42-012C4C1AD076}" type="slidenum">
               <a:rPr lang="zh-CN" altLang="en-US" smtClean="0"/>
-              <a:pPr/>
-              <a:t>‹#›</a:t>
             </a:fld>
             <a:endParaRPr lang="zh-CN" altLang="en-US"/>
           </a:p>
         </p:txBody>
       </p:sp>
     </p:spTree>
-    <p:extLst>
-      <p:ext uri="{BB962C8B-B14F-4D97-AF65-F5344CB8AC3E}">
-        <p14:creationId xmlns="" xmlns:p14="http://schemas.microsoft.com/office/powerpoint/2010/main" val="598653943"/>
-      </p:ext>
-    </p:extLst>
   </p:cSld>
   <p:clrMapOvr>
     <a:masterClrMapping/>
@@ -1153,6 +1133,7 @@
               <a:rPr lang="zh-CN" altLang="en-US" smtClean="0"/>
               <a:t>单击此处编辑母版文本样式</a:t>
             </a:r>
+            <a:endParaRPr lang="zh-CN" altLang="en-US" smtClean="0"/>
           </a:p>
         </p:txBody>
       </p:sp>
@@ -1181,8 +1162,6 @@
           <a:p>
             <a:fld id="{D997B5FA-0921-464F-AAE1-844C04324D75}" type="datetimeFigureOut">
               <a:rPr lang="zh-CN" altLang="en-US" smtClean="0"/>
-              <a:pPr/>
-              <a:t>2016/7/3</a:t>
             </a:fld>
             <a:endParaRPr lang="zh-CN" altLang="en-US"/>
           </a:p>
@@ -1240,19 +1219,12 @@
           <a:p>
             <a:fld id="{565CE74E-AB26-4998-AD42-012C4C1AD076}" type="slidenum">
               <a:rPr lang="zh-CN" altLang="en-US" smtClean="0"/>
-              <a:pPr/>
-              <a:t>‹#›</a:t>
             </a:fld>
             <a:endParaRPr lang="zh-CN" altLang="en-US"/>
           </a:p>
         </p:txBody>
       </p:sp>
     </p:spTree>
-    <p:extLst>
-      <p:ext uri="{BB962C8B-B14F-4D97-AF65-F5344CB8AC3E}">
-        <p14:creationId xmlns="" xmlns:p14="http://schemas.microsoft.com/office/powerpoint/2010/main" val="1612184157"/>
-      </p:ext>
-    </p:extLst>
   </p:cSld>
   <p:clrMapOvr>
     <a:masterClrMapping/>
@@ -1336,6 +1308,7 @@
               <a:rPr lang="zh-CN" altLang="en-US" smtClean="0"/>
               <a:t>单击此处编辑母版文本样式</a:t>
             </a:r>
+            <a:endParaRPr lang="zh-CN" altLang="en-US" smtClean="0"/>
           </a:p>
           <a:p>
             <a:pPr lvl="1"/>
@@ -1343,6 +1316,7 @@
               <a:rPr lang="zh-CN" altLang="en-US" smtClean="0"/>
               <a:t>第二级</a:t>
             </a:r>
+            <a:endParaRPr lang="zh-CN" altLang="en-US" smtClean="0"/>
           </a:p>
           <a:p>
             <a:pPr lvl="2"/>
@@ -1350,6 +1324,7 @@
               <a:rPr lang="zh-CN" altLang="en-US" smtClean="0"/>
               <a:t>第三级</a:t>
             </a:r>
+            <a:endParaRPr lang="zh-CN" altLang="en-US" smtClean="0"/>
           </a:p>
           <a:p>
             <a:pPr lvl="3"/>
@@ -1357,6 +1332,7 @@
               <a:rPr lang="zh-CN" altLang="en-US" smtClean="0"/>
               <a:t>第四级</a:t>
             </a:r>
+            <a:endParaRPr lang="zh-CN" altLang="en-US" smtClean="0"/>
           </a:p>
           <a:p>
             <a:pPr lvl="4"/>
@@ -1396,6 +1372,7 @@
               <a:rPr lang="zh-CN" altLang="en-US" smtClean="0"/>
               <a:t>单击此处编辑母版文本样式</a:t>
             </a:r>
+            <a:endParaRPr lang="zh-CN" altLang="en-US" smtClean="0"/>
           </a:p>
           <a:p>
             <a:pPr lvl="1"/>
@@ -1403,6 +1380,7 @@
               <a:rPr lang="zh-CN" altLang="en-US" smtClean="0"/>
               <a:t>第二级</a:t>
             </a:r>
+            <a:endParaRPr lang="zh-CN" altLang="en-US" smtClean="0"/>
           </a:p>
           <a:p>
             <a:pPr lvl="2"/>
@@ -1410,6 +1388,7 @@
               <a:rPr lang="zh-CN" altLang="en-US" smtClean="0"/>
               <a:t>第三级</a:t>
             </a:r>
+            <a:endParaRPr lang="zh-CN" altLang="en-US" smtClean="0"/>
           </a:p>
           <a:p>
             <a:pPr lvl="3"/>
@@ -1417,6 +1396,7 @@
               <a:rPr lang="zh-CN" altLang="en-US" smtClean="0"/>
               <a:t>第四级</a:t>
             </a:r>
+            <a:endParaRPr lang="zh-CN" altLang="en-US" smtClean="0"/>
           </a:p>
           <a:p>
             <a:pPr lvl="4"/>
@@ -1453,8 +1433,6 @@
           <a:p>
             <a:fld id="{D997B5FA-0921-464F-AAE1-844C04324D75}" type="datetimeFigureOut">
               <a:rPr lang="zh-CN" altLang="en-US" smtClean="0"/>
-              <a:pPr/>
-              <a:t>2016/7/3</a:t>
             </a:fld>
             <a:endParaRPr lang="zh-CN" altLang="en-US"/>
           </a:p>
@@ -1512,19 +1490,12 @@
           <a:p>
             <a:fld id="{565CE74E-AB26-4998-AD42-012C4C1AD076}" type="slidenum">
               <a:rPr lang="zh-CN" altLang="en-US" smtClean="0"/>
-              <a:pPr/>
-              <a:t>‹#›</a:t>
             </a:fld>
             <a:endParaRPr lang="zh-CN" altLang="en-US"/>
           </a:p>
         </p:txBody>
       </p:sp>
     </p:spTree>
-    <p:extLst>
-      <p:ext uri="{BB962C8B-B14F-4D97-AF65-F5344CB8AC3E}">
-        <p14:creationId xmlns="" xmlns:p14="http://schemas.microsoft.com/office/powerpoint/2010/main" val="2905825717"/>
-      </p:ext>
-    </p:extLst>
   </p:cSld>
   <p:clrMapOvr>
     <a:masterClrMapping/>
@@ -1645,6 +1616,7 @@
               <a:rPr lang="zh-CN" altLang="en-US" smtClean="0"/>
               <a:t>单击此处编辑母版文本样式</a:t>
             </a:r>
+            <a:endParaRPr lang="zh-CN" altLang="en-US" smtClean="0"/>
           </a:p>
         </p:txBody>
       </p:sp>
@@ -1676,6 +1648,7 @@
               <a:rPr lang="zh-CN" altLang="en-US" smtClean="0"/>
               <a:t>单击此处编辑母版文本样式</a:t>
             </a:r>
+            <a:endParaRPr lang="zh-CN" altLang="en-US" smtClean="0"/>
           </a:p>
           <a:p>
             <a:pPr lvl="1"/>
@@ -1683,6 +1656,7 @@
               <a:rPr lang="zh-CN" altLang="en-US" smtClean="0"/>
               <a:t>第二级</a:t>
             </a:r>
+            <a:endParaRPr lang="zh-CN" altLang="en-US" smtClean="0"/>
           </a:p>
           <a:p>
             <a:pPr lvl="2"/>
@@ -1690,6 +1664,7 @@
               <a:rPr lang="zh-CN" altLang="en-US" smtClean="0"/>
               <a:t>第三级</a:t>
             </a:r>
+            <a:endParaRPr lang="zh-CN" altLang="en-US" smtClean="0"/>
           </a:p>
           <a:p>
             <a:pPr lvl="3"/>
@@ -1697,6 +1672,7 @@
               <a:rPr lang="zh-CN" altLang="en-US" smtClean="0"/>
               <a:t>第四级</a:t>
             </a:r>
+            <a:endParaRPr lang="zh-CN" altLang="en-US" smtClean="0"/>
           </a:p>
           <a:p>
             <a:pPr lvl="4"/>
@@ -1773,6 +1749,7 @@
               <a:rPr lang="zh-CN" altLang="en-US" smtClean="0"/>
               <a:t>单击此处编辑母版文本样式</a:t>
             </a:r>
+            <a:endParaRPr lang="zh-CN" altLang="en-US" smtClean="0"/>
           </a:p>
         </p:txBody>
       </p:sp>
@@ -1804,6 +1781,7 @@
               <a:rPr lang="zh-CN" altLang="en-US" smtClean="0"/>
               <a:t>单击此处编辑母版文本样式</a:t>
             </a:r>
+            <a:endParaRPr lang="zh-CN" altLang="en-US" smtClean="0"/>
           </a:p>
           <a:p>
             <a:pPr lvl="1"/>
@@ -1811,6 +1789,7 @@
               <a:rPr lang="zh-CN" altLang="en-US" smtClean="0"/>
               <a:t>第二级</a:t>
             </a:r>
+            <a:endParaRPr lang="zh-CN" altLang="en-US" smtClean="0"/>
           </a:p>
           <a:p>
             <a:pPr lvl="2"/>
@@ -1818,6 +1797,7 @@
               <a:rPr lang="zh-CN" altLang="en-US" smtClean="0"/>
               <a:t>第三级</a:t>
             </a:r>
+            <a:endParaRPr lang="zh-CN" altLang="en-US" smtClean="0"/>
           </a:p>
           <a:p>
             <a:pPr lvl="3"/>
@@ -1825,6 +1805,7 @@
               <a:rPr lang="zh-CN" altLang="en-US" smtClean="0"/>
               <a:t>第四级</a:t>
             </a:r>
+            <a:endParaRPr lang="zh-CN" altLang="en-US" smtClean="0"/>
           </a:p>
           <a:p>
             <a:pPr lvl="4"/>
@@ -1861,8 +1842,6 @@
           <a:p>
             <a:fld id="{D997B5FA-0921-464F-AAE1-844C04324D75}" type="datetimeFigureOut">
               <a:rPr lang="zh-CN" altLang="en-US" smtClean="0"/>
-              <a:pPr/>
-              <a:t>2016/7/3</a:t>
             </a:fld>
             <a:endParaRPr lang="zh-CN" altLang="en-US"/>
           </a:p>
@@ -1920,19 +1899,12 @@
           <a:p>
             <a:fld id="{565CE74E-AB26-4998-AD42-012C4C1AD076}" type="slidenum">
               <a:rPr lang="zh-CN" altLang="en-US" smtClean="0"/>
-              <a:pPr/>
-              <a:t>‹#›</a:t>
             </a:fld>
             <a:endParaRPr lang="zh-CN" altLang="en-US"/>
           </a:p>
         </p:txBody>
       </p:sp>
     </p:spTree>
-    <p:extLst>
-      <p:ext uri="{BB962C8B-B14F-4D97-AF65-F5344CB8AC3E}">
-        <p14:creationId xmlns="" xmlns:p14="http://schemas.microsoft.com/office/powerpoint/2010/main" val="168117047"/>
-      </p:ext>
-    </p:extLst>
   </p:cSld>
   <p:clrMapOvr>
     <a:masterClrMapping/>
@@ -2013,8 +1985,6 @@
           <a:p>
             <a:fld id="{D997B5FA-0921-464F-AAE1-844C04324D75}" type="datetimeFigureOut">
               <a:rPr lang="zh-CN" altLang="en-US" smtClean="0"/>
-              <a:pPr/>
-              <a:t>2016/7/3</a:t>
             </a:fld>
             <a:endParaRPr lang="zh-CN" altLang="en-US"/>
           </a:p>
@@ -2072,19 +2042,12 @@
           <a:p>
             <a:fld id="{565CE74E-AB26-4998-AD42-012C4C1AD076}" type="slidenum">
               <a:rPr lang="zh-CN" altLang="en-US" smtClean="0"/>
-              <a:pPr/>
-              <a:t>‹#›</a:t>
             </a:fld>
             <a:endParaRPr lang="zh-CN" altLang="en-US"/>
           </a:p>
         </p:txBody>
       </p:sp>
     </p:spTree>
-    <p:extLst>
-      <p:ext uri="{BB962C8B-B14F-4D97-AF65-F5344CB8AC3E}">
-        <p14:creationId xmlns="" xmlns:p14="http://schemas.microsoft.com/office/powerpoint/2010/main" val="2764406021"/>
-      </p:ext>
-    </p:extLst>
   </p:cSld>
   <p:clrMapOvr>
     <a:masterClrMapping/>
@@ -2134,8 +2097,6 @@
           <a:p>
             <a:fld id="{D997B5FA-0921-464F-AAE1-844C04324D75}" type="datetimeFigureOut">
               <a:rPr lang="zh-CN" altLang="en-US" smtClean="0"/>
-              <a:pPr/>
-              <a:t>2016/7/3</a:t>
             </a:fld>
             <a:endParaRPr lang="zh-CN" altLang="en-US"/>
           </a:p>
@@ -2193,19 +2154,12 @@
           <a:p>
             <a:fld id="{565CE74E-AB26-4998-AD42-012C4C1AD076}" type="slidenum">
               <a:rPr lang="zh-CN" altLang="en-US" smtClean="0"/>
-              <a:pPr/>
-              <a:t>‹#›</a:t>
             </a:fld>
             <a:endParaRPr lang="zh-CN" altLang="en-US"/>
           </a:p>
         </p:txBody>
       </p:sp>
     </p:spTree>
-    <p:extLst>
-      <p:ext uri="{BB962C8B-B14F-4D97-AF65-F5344CB8AC3E}">
-        <p14:creationId xmlns="" xmlns:p14="http://schemas.microsoft.com/office/powerpoint/2010/main" val="276523006"/>
-      </p:ext>
-    </p:extLst>
   </p:cSld>
   <p:clrMapOvr>
     <a:masterClrMapping/>
@@ -2328,6 +2282,7 @@
               <a:rPr lang="zh-CN" altLang="en-US" smtClean="0"/>
               <a:t>单击此处编辑母版文本样式</a:t>
             </a:r>
+            <a:endParaRPr lang="zh-CN" altLang="en-US" smtClean="0"/>
           </a:p>
           <a:p>
             <a:pPr lvl="1"/>
@@ -2335,6 +2290,7 @@
               <a:rPr lang="zh-CN" altLang="en-US" smtClean="0"/>
               <a:t>第二级</a:t>
             </a:r>
+            <a:endParaRPr lang="zh-CN" altLang="en-US" smtClean="0"/>
           </a:p>
           <a:p>
             <a:pPr lvl="2"/>
@@ -2342,6 +2298,7 @@
               <a:rPr lang="zh-CN" altLang="en-US" smtClean="0"/>
               <a:t>第三级</a:t>
             </a:r>
+            <a:endParaRPr lang="zh-CN" altLang="en-US" smtClean="0"/>
           </a:p>
           <a:p>
             <a:pPr lvl="3"/>
@@ -2349,6 +2306,7 @@
               <a:rPr lang="zh-CN" altLang="en-US" smtClean="0"/>
               <a:t>第四级</a:t>
             </a:r>
+            <a:endParaRPr lang="zh-CN" altLang="en-US" smtClean="0"/>
           </a:p>
           <a:p>
             <a:pPr lvl="4"/>
@@ -2425,6 +2383,7 @@
               <a:rPr lang="zh-CN" altLang="en-US" smtClean="0"/>
               <a:t>单击此处编辑母版文本样式</a:t>
             </a:r>
+            <a:endParaRPr lang="zh-CN" altLang="en-US" smtClean="0"/>
           </a:p>
         </p:txBody>
       </p:sp>
@@ -2453,8 +2412,6 @@
           <a:p>
             <a:fld id="{D997B5FA-0921-464F-AAE1-844C04324D75}" type="datetimeFigureOut">
               <a:rPr lang="zh-CN" altLang="en-US" smtClean="0"/>
-              <a:pPr/>
-              <a:t>2016/7/3</a:t>
             </a:fld>
             <a:endParaRPr lang="zh-CN" altLang="en-US"/>
           </a:p>
@@ -2512,19 +2469,12 @@
           <a:p>
             <a:fld id="{565CE74E-AB26-4998-AD42-012C4C1AD076}" type="slidenum">
               <a:rPr lang="zh-CN" altLang="en-US" smtClean="0"/>
-              <a:pPr/>
-              <a:t>‹#›</a:t>
             </a:fld>
             <a:endParaRPr lang="zh-CN" altLang="en-US"/>
           </a:p>
         </p:txBody>
       </p:sp>
     </p:spTree>
-    <p:extLst>
-      <p:ext uri="{BB962C8B-B14F-4D97-AF65-F5344CB8AC3E}">
-        <p14:creationId xmlns="" xmlns:p14="http://schemas.microsoft.com/office/powerpoint/2010/main" val="694758376"/>
-      </p:ext>
-    </p:extLst>
   </p:cSld>
   <p:clrMapOvr>
     <a:masterClrMapping/>
@@ -2713,6 +2663,7 @@
               <a:rPr lang="zh-CN" altLang="en-US" smtClean="0"/>
               <a:t>单击此处编辑母版文本样式</a:t>
             </a:r>
+            <a:endParaRPr lang="zh-CN" altLang="en-US" smtClean="0"/>
           </a:p>
         </p:txBody>
       </p:sp>
@@ -2741,8 +2692,6 @@
           <a:p>
             <a:fld id="{D997B5FA-0921-464F-AAE1-844C04324D75}" type="datetimeFigureOut">
               <a:rPr lang="zh-CN" altLang="en-US" smtClean="0"/>
-              <a:pPr/>
-              <a:t>2016/7/3</a:t>
             </a:fld>
             <a:endParaRPr lang="zh-CN" altLang="en-US"/>
           </a:p>
@@ -2800,19 +2749,12 @@
           <a:p>
             <a:fld id="{565CE74E-AB26-4998-AD42-012C4C1AD076}" type="slidenum">
               <a:rPr lang="zh-CN" altLang="en-US" smtClean="0"/>
-              <a:pPr/>
-              <a:t>‹#›</a:t>
             </a:fld>
             <a:endParaRPr lang="zh-CN" altLang="en-US"/>
           </a:p>
         </p:txBody>
       </p:sp>
     </p:spTree>
-    <p:extLst>
-      <p:ext uri="{BB962C8B-B14F-4D97-AF65-F5344CB8AC3E}">
-        <p14:creationId xmlns="" xmlns:p14="http://schemas.microsoft.com/office/powerpoint/2010/main" val="477805659"/>
-      </p:ext>
-    </p:extLst>
   </p:cSld>
   <p:clrMapOvr>
     <a:masterClrMapping/>
@@ -2851,7 +2793,7 @@
           <p:nvPr userDrawn="1"/>
         </p:nvPicPr>
         <p:blipFill>
-          <a:blip r:embed="rId13" cstate="print"/>
+          <a:blip r:embed="rId12" cstate="print"/>
           <a:stretch>
             <a:fillRect/>
           </a:stretch>
@@ -2903,11 +2845,6 @@
         </p:txBody>
       </p:sp>
     </p:spTree>
-    <p:extLst>
-      <p:ext uri="{BB962C8B-B14F-4D97-AF65-F5344CB8AC3E}">
-        <p14:creationId xmlns="" xmlns:p14="http://schemas.microsoft.com/office/powerpoint/2010/main" val="2003094035"/>
-      </p:ext>
-    </p:extLst>
   </p:cSld>
   <p:clrMap bg1="lt1" tx1="dk1" bg2="lt2" tx2="dk2" accent1="accent1" accent2="accent2" accent3="accent3" accent4="accent4" accent5="accent5" accent6="accent6" hlink="hlink" folHlink="folHlink"/>
   <p:sldLayoutIdLst>
@@ -2951,7 +2888,7 @@
         <a:spcBef>
           <a:spcPts val="1000"/>
         </a:spcBef>
-        <a:buFont typeface="Arial" panose="020B0604020202020204" pitchFamily="34" charset="0"/>
+        <a:buFont typeface="Arial" pitchFamily="34" charset="0"/>
         <a:buChar char="•"/>
         <a:defRPr sz="2800" kern="1200">
           <a:solidFill>
@@ -2969,7 +2906,7 @@
         <a:spcBef>
           <a:spcPts val="500"/>
         </a:spcBef>
-        <a:buFont typeface="Arial" panose="020B0604020202020204" pitchFamily="34" charset="0"/>
+        <a:buFont typeface="Arial" pitchFamily="34" charset="0"/>
         <a:buChar char="•"/>
         <a:defRPr sz="2400" kern="1200">
           <a:solidFill>
@@ -2987,7 +2924,7 @@
         <a:spcBef>
           <a:spcPts val="500"/>
         </a:spcBef>
-        <a:buFont typeface="Arial" panose="020B0604020202020204" pitchFamily="34" charset="0"/>
+        <a:buFont typeface="Arial" pitchFamily="34" charset="0"/>
         <a:buChar char="•"/>
         <a:defRPr sz="2000" kern="1200">
           <a:solidFill>
@@ -3005,7 +2942,7 @@
         <a:spcBef>
           <a:spcPts val="500"/>
         </a:spcBef>
-        <a:buFont typeface="Arial" panose="020B0604020202020204" pitchFamily="34" charset="0"/>
+        <a:buFont typeface="Arial" pitchFamily="34" charset="0"/>
         <a:buChar char="•"/>
         <a:defRPr sz="1800" kern="1200">
           <a:solidFill>
@@ -3023,7 +2960,7 @@
         <a:spcBef>
           <a:spcPts val="500"/>
         </a:spcBef>
-        <a:buFont typeface="Arial" panose="020B0604020202020204" pitchFamily="34" charset="0"/>
+        <a:buFont typeface="Arial" pitchFamily="34" charset="0"/>
         <a:buChar char="•"/>
         <a:defRPr sz="1800" kern="1200">
           <a:solidFill>
@@ -3041,7 +2978,7 @@
         <a:spcBef>
           <a:spcPts val="500"/>
         </a:spcBef>
-        <a:buFont typeface="Arial" panose="020B0604020202020204" pitchFamily="34" charset="0"/>
+        <a:buFont typeface="Arial" pitchFamily="34" charset="0"/>
         <a:buChar char="•"/>
         <a:defRPr sz="1800" kern="1200">
           <a:solidFill>
@@ -3059,7 +2996,7 @@
         <a:spcBef>
           <a:spcPts val="500"/>
         </a:spcBef>
-        <a:buFont typeface="Arial" panose="020B0604020202020204" pitchFamily="34" charset="0"/>
+        <a:buFont typeface="Arial" pitchFamily="34" charset="0"/>
         <a:buChar char="•"/>
         <a:defRPr sz="1800" kern="1200">
           <a:solidFill>
@@ -3077,7 +3014,7 @@
         <a:spcBef>
           <a:spcPts val="500"/>
         </a:spcBef>
-        <a:buFont typeface="Arial" panose="020B0604020202020204" pitchFamily="34" charset="0"/>
+        <a:buFont typeface="Arial" pitchFamily="34" charset="0"/>
         <a:buChar char="•"/>
         <a:defRPr sz="1800" kern="1200">
           <a:solidFill>
@@ -3095,7 +3032,7 @@
         <a:spcBef>
           <a:spcPts val="500"/>
         </a:spcBef>
-        <a:buFont typeface="Arial" panose="020B0604020202020204" pitchFamily="34" charset="0"/>
+        <a:buFont typeface="Arial" pitchFamily="34" charset="0"/>
         <a:buChar char="•"/>
         <a:defRPr sz="1800" kern="1200">
           <a:solidFill>
@@ -3301,7 +3238,7 @@
           <p:nvPr/>
         </p:nvPicPr>
         <p:blipFill>
-          <a:blip r:embed="rId2" cstate="print"/>
+          <a:blip r:embed="rId1" cstate="print"/>
           <a:stretch>
             <a:fillRect/>
           </a:stretch>
@@ -3698,6 +3635,455 @@
 </file>
 
 <file path=ppt/slides/slide10.xml><?xml version="1.0" encoding="utf-8"?>
+<p:sld xmlns:a="http://schemas.openxmlformats.org/drawingml/2006/main" xmlns:r="http://schemas.openxmlformats.org/officeDocument/2006/relationships" xmlns:p="http://schemas.openxmlformats.org/presentationml/2006/main" showMasterSp="0">
+  <p:cSld>
+    <p:spTree>
+      <p:nvGrpSpPr>
+        <p:cNvPr id="1" name=""/>
+        <p:cNvGrpSpPr/>
+        <p:nvPr/>
+      </p:nvGrpSpPr>
+      <p:grpSpPr/>
+      <p:pic>
+        <p:nvPicPr>
+          <p:cNvPr id="2" name="图片 1" descr="4"/>
+          <p:cNvPicPr>
+            <a:picLocks noChangeAspect="1"/>
+          </p:cNvPicPr>
+          <p:nvPr/>
+        </p:nvPicPr>
+        <p:blipFill>
+          <a:blip r:embed="rId1"/>
+          <a:stretch>
+            <a:fillRect/>
+          </a:stretch>
+        </p:blipFill>
+        <p:spPr>
+          <a:xfrm>
+            <a:off x="2771775" y="1571625"/>
+            <a:ext cx="6647815" cy="3714115"/>
+          </a:xfrm>
+          <a:prstGeom prst="rect">
+            <a:avLst/>
+          </a:prstGeom>
+        </p:spPr>
+      </p:pic>
+      <p:pic>
+        <p:nvPicPr>
+          <p:cNvPr id="3" name="图片 2" descr="5"/>
+          <p:cNvPicPr>
+            <a:picLocks noChangeAspect="1"/>
+          </p:cNvPicPr>
+          <p:nvPr/>
+        </p:nvPicPr>
+        <p:blipFill>
+          <a:blip r:embed="rId2"/>
+          <a:stretch>
+            <a:fillRect/>
+          </a:stretch>
+        </p:blipFill>
+        <p:spPr>
+          <a:xfrm>
+            <a:off x="5859780" y="-3243580"/>
+            <a:ext cx="5266690" cy="3247390"/>
+          </a:xfrm>
+          <a:prstGeom prst="rect">
+            <a:avLst/>
+          </a:prstGeom>
+        </p:spPr>
+      </p:pic>
+      <p:grpSp>
+        <p:nvGrpSpPr>
+          <p:cNvPr id="6" name="组合 5"/>
+          <p:cNvGrpSpPr/>
+          <p:nvPr/>
+        </p:nvGrpSpPr>
+        <p:grpSpPr>
+          <a:xfrm>
+            <a:off x="3354705" y="4111625"/>
+            <a:ext cx="6995795" cy="1633220"/>
+            <a:chOff x="5283" y="7205"/>
+            <a:chExt cx="11017" cy="2572"/>
+          </a:xfrm>
+        </p:grpSpPr>
+        <p:sp>
+          <p:nvSpPr>
+            <p:cNvPr id="4" name="文本框 3"/>
+            <p:cNvSpPr txBox="1"/>
+            <p:nvPr/>
+          </p:nvSpPr>
+          <p:spPr>
+            <a:xfrm>
+              <a:off x="5283" y="7205"/>
+              <a:ext cx="4128" cy="1356"/>
+            </a:xfrm>
+            <a:prstGeom prst="rect">
+              <a:avLst/>
+            </a:prstGeom>
+            <a:noFill/>
+          </p:spPr>
+          <p:txBody>
+            <a:bodyPr wrap="none" rtlCol="0">
+              <a:spAutoFit/>
+            </a:bodyPr>
+            <a:p>
+              <a:r>
+                <a:rPr lang="zh-CN" altLang="en-US" sz="4800">
+                  <a:latin typeface="微软雅黑 Light" charset="0"/>
+                  <a:ea typeface="微软雅黑 Light" charset="0"/>
+                </a:rPr>
+                <a:t>落实以后</a:t>
+              </a:r>
+              <a:endParaRPr lang="zh-CN" altLang="en-US" sz="4800">
+                <a:latin typeface="微软雅黑 Light" charset="0"/>
+                <a:ea typeface="微软雅黑 Light" charset="0"/>
+              </a:endParaRPr>
+            </a:p>
+          </p:txBody>
+        </p:sp>
+        <p:sp>
+          <p:nvSpPr>
+            <p:cNvPr id="5" name="文本框 4"/>
+            <p:cNvSpPr txBox="1"/>
+            <p:nvPr/>
+          </p:nvSpPr>
+          <p:spPr>
+            <a:xfrm>
+              <a:off x="7372" y="8421"/>
+              <a:ext cx="8928" cy="1356"/>
+            </a:xfrm>
+            <a:prstGeom prst="rect">
+              <a:avLst/>
+            </a:prstGeom>
+            <a:noFill/>
+          </p:spPr>
+          <p:txBody>
+            <a:bodyPr wrap="none" rtlCol="0">
+              <a:spAutoFit/>
+            </a:bodyPr>
+            <a:p>
+              <a:r>
+                <a:rPr lang="zh-CN" altLang="en-US" sz="4800">
+                  <a:latin typeface="微软雅黑 Light" charset="0"/>
+                  <a:ea typeface="微软雅黑 Light" charset="0"/>
+                </a:rPr>
+                <a:t>一切的准备才有意义</a:t>
+              </a:r>
+              <a:endParaRPr lang="zh-CN" altLang="en-US" sz="4800">
+                <a:latin typeface="微软雅黑 Light" charset="0"/>
+                <a:ea typeface="微软雅黑 Light" charset="0"/>
+              </a:endParaRPr>
+            </a:p>
+          </p:txBody>
+        </p:sp>
+      </p:grpSp>
+    </p:spTree>
+  </p:cSld>
+  <p:clrMapOvr>
+    <a:masterClrMapping/>
+  </p:clrMapOvr>
+  <p:transition>
+    <p:wipe/>
+  </p:transition>
+  <p:timing>
+    <p:tnLst>
+      <p:par>
+        <p:cTn id="1" dur="indefinite" restart="never" nodeType="tmRoot">
+          <p:childTnLst>
+            <p:seq concurrent="1" nextAc="seek">
+              <p:cTn id="2" dur="indefinite" nodeType="mainSeq">
+                <p:childTnLst>
+                  <p:par>
+                    <p:cTn id="3" fill="hold">
+                      <p:stCondLst>
+                        <p:cond delay="indefinite"/>
+                      </p:stCondLst>
+                      <p:childTnLst>
+                        <p:par>
+                          <p:cTn id="4" fill="hold">
+                            <p:stCondLst>
+                              <p:cond delay="0"/>
+                            </p:stCondLst>
+                            <p:childTnLst>
+                              <p:par>
+                                <p:cTn id="5" presetID="35" presetClass="path" presetSubtype="0" accel="50000" decel="50000" fill="hold" nodeType="clickEffect">
+                                  <p:stCondLst>
+                                    <p:cond delay="0"/>
+                                  </p:stCondLst>
+                                  <p:childTnLst>
+                                    <p:animMotion origin="layout" path="M 0.000000 0.000000 L -0.206615 0.000093 " pathEditMode="relative" rAng="0" ptsTypes="">
+                                      <p:cBhvr>
+                                        <p:cTn id="6" dur="1000" fill="hold"/>
+                                        <p:tgtEl>
+                                          <p:spTgt spid="2"/>
+                                        </p:tgtEl>
+                                        <p:attrNameLst>
+                                          <p:attrName>ppt_x</p:attrName>
+                                          <p:attrName>ppt_y</p:attrName>
+                                        </p:attrNameLst>
+                                      </p:cBhvr>
+                                      <p:rCtr x="-115" y="0"/>
+                                    </p:animMotion>
+                                  </p:childTnLst>
+                                </p:cTn>
+                              </p:par>
+                              <p:par>
+                                <p:cTn id="7" presetID="6" presetClass="emph" presetSubtype="0" accel="50000" decel="50000" fill="hold" nodeType="withEffect">
+                                  <p:stCondLst>
+                                    <p:cond delay="0"/>
+                                  </p:stCondLst>
+                                  <p:childTnLst>
+                                    <p:animScale>
+                                      <p:cBhvr>
+                                        <p:cTn id="8" dur="1000" fill="hold"/>
+                                        <p:tgtEl>
+                                          <p:spTgt spid="2"/>
+                                        </p:tgtEl>
+                                      </p:cBhvr>
+                                      <p:by x="66000" y="66000"/>
+                                    </p:animScale>
+                                  </p:childTnLst>
+                                </p:cTn>
+                              </p:par>
+                              <p:par>
+                                <p:cTn id="9" presetID="42" presetClass="path" presetSubtype="0" accel="50000" decel="50000" fill="hold" nodeType="withEffect">
+                                  <p:stCondLst>
+                                    <p:cond delay="0"/>
+                                  </p:stCondLst>
+                                  <p:childTnLst>
+                                    <p:animMotion origin="layout" path="M 0.000000 0.000000 L 0.000000 0.736204 " pathEditMode="relative" rAng="0" ptsTypes="">
+                                      <p:cBhvr>
+                                        <p:cTn id="10" dur="1000" fill="hold"/>
+                                        <p:tgtEl>
+                                          <p:spTgt spid="3"/>
+                                        </p:tgtEl>
+                                        <p:attrNameLst>
+                                          <p:attrName>ppt_x</p:attrName>
+                                          <p:attrName>ppt_y</p:attrName>
+                                        </p:attrNameLst>
+                                      </p:cBhvr>
+                                      <p:rCtr x="0" y="125"/>
+                                    </p:animMotion>
+                                  </p:childTnLst>
+                                </p:cTn>
+                              </p:par>
+                              <p:par>
+                                <p:cTn id="11" presetID="6" presetClass="emph" presetSubtype="0" accel="50000" decel="50000" fill="hold" nodeType="withEffect">
+                                  <p:stCondLst>
+                                    <p:cond delay="0"/>
+                                  </p:stCondLst>
+                                  <p:childTnLst>
+                                    <p:animScale>
+                                      <p:cBhvr>
+                                        <p:cTn id="12" dur="1000" fill="hold"/>
+                                        <p:tgtEl>
+                                          <p:spTgt spid="3"/>
+                                        </p:tgtEl>
+                                      </p:cBhvr>
+                                      <p:by x="66000" y="66000"/>
+                                    </p:animScale>
+                                  </p:childTnLst>
+                                </p:cTn>
+                              </p:par>
+                            </p:childTnLst>
+                          </p:cTn>
+                        </p:par>
+                      </p:childTnLst>
+                    </p:cTn>
+                  </p:par>
+                  <p:par>
+                    <p:cTn id="13" fill="hold">
+                      <p:stCondLst>
+                        <p:cond delay="indefinite"/>
+                      </p:stCondLst>
+                      <p:childTnLst>
+                        <p:par>
+                          <p:cTn id="14" fill="hold">
+                            <p:stCondLst>
+                              <p:cond delay="0"/>
+                            </p:stCondLst>
+                            <p:childTnLst>
+                              <p:par>
+                                <p:cTn id="15" presetID="22" presetClass="entr" presetSubtype="4" fill="hold" nodeType="clickEffect">
+                                  <p:stCondLst>
+                                    <p:cond delay="0"/>
+                                  </p:stCondLst>
+                                  <p:childTnLst>
+                                    <p:set>
+                                      <p:cBhvr>
+                                        <p:cTn id="16" dur="1" fill="hold">
+                                          <p:stCondLst>
+                                            <p:cond delay="0"/>
+                                          </p:stCondLst>
+                                        </p:cTn>
+                                        <p:tgtEl>
+                                          <p:spTgt spid="6"/>
+                                        </p:tgtEl>
+                                        <p:attrNameLst>
+                                          <p:attrName>style.visibility</p:attrName>
+                                        </p:attrNameLst>
+                                      </p:cBhvr>
+                                      <p:to>
+                                        <p:strVal val="visible"/>
+                                      </p:to>
+                                    </p:set>
+                                    <p:animEffect transition="in" filter="wipe(down)">
+                                      <p:cBhvr>
+                                        <p:cTn id="17" dur="500"/>
+                                        <p:tgtEl>
+                                          <p:spTgt spid="6"/>
+                                        </p:tgtEl>
+                                      </p:cBhvr>
+                                    </p:animEffect>
+                                  </p:childTnLst>
+                                </p:cTn>
+                              </p:par>
+                              <p:par>
+                                <p:cTn id="18" presetID="64" presetClass="path" presetSubtype="0" accel="50000" decel="50000" fill="hold" nodeType="withEffect">
+                                  <p:stCondLst>
+                                    <p:cond delay="0"/>
+                                  </p:stCondLst>
+                                  <p:childTnLst>
+                                    <p:animMotion origin="layout" path="M -0.202656 0.000000 L -0.200729 -0.178333 " pathEditMode="relative" rAng="0" ptsTypes="">
+                                      <p:cBhvr>
+                                        <p:cTn id="19" dur="1000" fill="hold"/>
+                                        <p:tgtEl>
+                                          <p:spTgt spid="2"/>
+                                        </p:tgtEl>
+                                        <p:attrNameLst>
+                                          <p:attrName>ppt_x</p:attrName>
+                                          <p:attrName>ppt_y</p:attrName>
+                                        </p:attrNameLst>
+                                      </p:cBhvr>
+                                      <p:rCtr x="1" y="-78"/>
+                                    </p:animMotion>
+                                  </p:childTnLst>
+                                </p:cTn>
+                              </p:par>
+                              <p:par>
+                                <p:cTn id="20" presetID="64" presetClass="path" presetSubtype="0" accel="50000" decel="50000" fill="hold" nodeType="withEffect">
+                                  <p:stCondLst>
+                                    <p:cond delay="0"/>
+                                  </p:stCondLst>
+                                  <p:childTnLst>
+                                    <p:animMotion origin="layout" path="M 0.000000 0.731019 L -0.001719 0.568241 " pathEditMode="relative" rAng="0" ptsTypes="">
+                                      <p:cBhvr>
+                                        <p:cTn id="21" dur="1000" fill="hold"/>
+                                        <p:tgtEl>
+                                          <p:spTgt spid="3"/>
+                                        </p:tgtEl>
+                                        <p:attrNameLst>
+                                          <p:attrName>ppt_x</p:attrName>
+                                          <p:attrName>ppt_y</p:attrName>
+                                        </p:attrNameLst>
+                                      </p:cBhvr>
+                                      <p:rCtr x="0" y="-102"/>
+                                    </p:animMotion>
+                                  </p:childTnLst>
+                                </p:cTn>
+                              </p:par>
+                            </p:childTnLst>
+                          </p:cTn>
+                        </p:par>
+                      </p:childTnLst>
+                    </p:cTn>
+                  </p:par>
+                </p:childTnLst>
+              </p:cTn>
+              <p:prevCondLst>
+                <p:cond evt="onPrev" delay="0">
+                  <p:tgtEl>
+                    <p:sldTgt/>
+                  </p:tgtEl>
+                </p:cond>
+              </p:prevCondLst>
+              <p:nextCondLst>
+                <p:cond evt="onNext" delay="0">
+                  <p:tgtEl>
+                    <p:sldTgt/>
+                  </p:tgtEl>
+                </p:cond>
+              </p:nextCondLst>
+            </p:seq>
+          </p:childTnLst>
+        </p:cTn>
+      </p:par>
+    </p:tnLst>
+  </p:timing>
+</p:sld>
+</file>
+
+<file path=ppt/slides/slide11.xml><?xml version="1.0" encoding="utf-8"?>
+<p:sld xmlns:a="http://schemas.openxmlformats.org/drawingml/2006/main" xmlns:r="http://schemas.openxmlformats.org/officeDocument/2006/relationships" xmlns:p="http://schemas.openxmlformats.org/presentationml/2006/main">
+  <p:cSld>
+    <p:spTree>
+      <p:nvGrpSpPr>
+        <p:cNvPr id="1" name=""/>
+        <p:cNvGrpSpPr/>
+        <p:nvPr/>
+      </p:nvGrpSpPr>
+      <p:grpSpPr/>
+      <p:pic>
+        <p:nvPicPr>
+          <p:cNvPr id="2" name="图片 1" descr="6"/>
+          <p:cNvPicPr>
+            <a:picLocks noChangeAspect="1"/>
+          </p:cNvPicPr>
+          <p:nvPr/>
+        </p:nvPicPr>
+        <p:blipFill>
+          <a:blip r:embed="rId1"/>
+          <a:stretch>
+            <a:fillRect/>
+          </a:stretch>
+        </p:blipFill>
+        <p:spPr>
+          <a:xfrm>
+            <a:off x="-59690" y="-432435"/>
+            <a:ext cx="12248515" cy="7353300"/>
+          </a:xfrm>
+          <a:prstGeom prst="rect">
+            <a:avLst/>
+          </a:prstGeom>
+        </p:spPr>
+      </p:pic>
+      <p:sp>
+        <p:nvSpPr>
+          <p:cNvPr id="3" name="文本框 2"/>
+          <p:cNvSpPr txBox="1"/>
+          <p:nvPr/>
+        </p:nvSpPr>
+        <p:spPr>
+          <a:xfrm>
+            <a:off x="8786495" y="1314450"/>
+            <a:ext cx="309880" cy="368300"/>
+          </a:xfrm>
+          <a:prstGeom prst="rect">
+            <a:avLst/>
+          </a:prstGeom>
+          <a:noFill/>
+        </p:spPr>
+        <p:txBody>
+          <a:bodyPr wrap="none" rtlCol="0">
+            <a:spAutoFit/>
+          </a:bodyPr>
+          <a:p>
+            <a:endParaRPr lang="zh-CN" altLang="en-US"/>
+          </a:p>
+        </p:txBody>
+      </p:sp>
+    </p:spTree>
+  </p:cSld>
+  <p:clrMapOvr>
+    <a:masterClrMapping/>
+  </p:clrMapOvr>
+  <p:transition>
+    <p:fade/>
+  </p:transition>
+</p:sld>
+</file>
+
+<file path=ppt/slides/slide12.xml><?xml version="1.0" encoding="utf-8"?>
 <p:sld xmlns:a="http://schemas.openxmlformats.org/drawingml/2006/main" xmlns:r="http://schemas.openxmlformats.org/officeDocument/2006/relationships" xmlns:p="http://schemas.openxmlformats.org/presentationml/2006/main">
   <p:cSld>
     <p:spTree>
@@ -3743,6 +4129,10 @@
               </a:rPr>
               <a:t>选择设计架构</a:t>
             </a:r>
+            <a:endParaRPr lang="zh-CN" altLang="en-US" sz="2800" dirty="0" smtClean="0">
+              <a:latin typeface="微软雅黑 Light" pitchFamily="34" charset="-122"/>
+              <a:ea typeface="微软雅黑 Light" pitchFamily="34" charset="-122"/>
+            </a:endParaRPr>
           </a:p>
         </p:txBody>
       </p:sp>
@@ -3775,6 +4165,10 @@
               </a:rPr>
               <a:t>画界面布局</a:t>
             </a:r>
+            <a:endParaRPr lang="zh-CN" altLang="en-US" sz="2800" dirty="0" smtClean="0">
+              <a:latin typeface="微软雅黑 Light" pitchFamily="34" charset="-122"/>
+              <a:ea typeface="微软雅黑 Light" pitchFamily="34" charset="-122"/>
+            </a:endParaRPr>
           </a:p>
         </p:txBody>
       </p:sp>
@@ -3807,6 +4201,10 @@
               </a:rPr>
               <a:t>依赖各种框架</a:t>
             </a:r>
+            <a:endParaRPr lang="zh-CN" altLang="en-US" sz="2800" dirty="0" smtClean="0">
+              <a:latin typeface="微软雅黑 Light" pitchFamily="34" charset="-122"/>
+              <a:ea typeface="微软雅黑 Light" pitchFamily="34" charset="-122"/>
+            </a:endParaRPr>
           </a:p>
         </p:txBody>
       </p:sp>
@@ -3839,6 +4237,10 @@
               </a:rPr>
               <a:t>封装数个工具类</a:t>
             </a:r>
+            <a:endParaRPr lang="zh-CN" altLang="en-US" sz="2800" dirty="0" smtClean="0">
+              <a:latin typeface="微软雅黑 Light" pitchFamily="34" charset="-122"/>
+              <a:ea typeface="微软雅黑 Light" pitchFamily="34" charset="-122"/>
+            </a:endParaRPr>
           </a:p>
         </p:txBody>
       </p:sp>
@@ -3871,6 +4273,10 @@
               </a:rPr>
               <a:t>联网向服务端发请求</a:t>
             </a:r>
+            <a:endParaRPr lang="zh-CN" altLang="en-US" sz="2800" dirty="0" smtClean="0">
+              <a:latin typeface="微软雅黑 Light" pitchFamily="34" charset="-122"/>
+              <a:ea typeface="微软雅黑 Light" pitchFamily="34" charset="-122"/>
+            </a:endParaRPr>
           </a:p>
         </p:txBody>
       </p:sp>
@@ -5155,7 +5561,7 @@
                         <p:par>
                           <p:cTn id="69" fill="hold">
                             <p:stCondLst>
-                              <p:cond delay="800"/>
+                              <p:cond delay="500"/>
                             </p:stCondLst>
                             <p:childTnLst>
                               <p:par>
@@ -5286,7 +5692,7 @@
 </p:sld>
 </file>
 
-<file path=ppt/slides/slide11.xml><?xml version="1.0" encoding="utf-8"?>
+<file path=ppt/slides/slide13.xml><?xml version="1.0" encoding="utf-8"?>
 <p:sld xmlns:a="http://schemas.openxmlformats.org/drawingml/2006/main" xmlns:r="http://schemas.openxmlformats.org/officeDocument/2006/relationships" xmlns:p="http://schemas.openxmlformats.org/presentationml/2006/main">
   <p:cSld>
     <p:spTree>
@@ -5486,6 +5892,15 @@
               </a:rPr>
               <a:t>何时使用</a:t>
             </a:r>
+            <a:endParaRPr lang="zh-CN" altLang="en-US" sz="3600" dirty="0" smtClean="0">
+              <a:solidFill>
+                <a:schemeClr val="bg2">
+                  <a:lumMod val="75000"/>
+                </a:schemeClr>
+              </a:solidFill>
+              <a:latin typeface="微软雅黑 Light" pitchFamily="34" charset="-122"/>
+              <a:ea typeface="微软雅黑 Light" pitchFamily="34" charset="-122"/>
+            </a:endParaRPr>
           </a:p>
         </p:txBody>
       </p:sp>
@@ -5525,6 +5940,44 @@
           </a:p>
         </p:txBody>
       </p:sp>
+      <p:cxnSp>
+        <p:nvCxnSpPr>
+          <p:cNvPr id="7" name="直接连接符 6"/>
+          <p:cNvCxnSpPr/>
+          <p:nvPr/>
+        </p:nvCxnSpPr>
+        <p:spPr>
+          <a:xfrm>
+            <a:off x="869315" y="3788410"/>
+            <a:ext cx="2490470" cy="0"/>
+          </a:xfrm>
+          <a:prstGeom prst="line">
+            <a:avLst/>
+          </a:prstGeom>
+          <a:ln w="28575" cmpd="sng">
+            <a:solidFill>
+              <a:schemeClr val="accent1">
+                <a:shade val="50000"/>
+              </a:schemeClr>
+            </a:solidFill>
+            <a:prstDash val="solid"/>
+          </a:ln>
+        </p:spPr>
+        <p:style>
+          <a:lnRef idx="1">
+            <a:schemeClr val="accent1"/>
+          </a:lnRef>
+          <a:fillRef idx="0">
+            <a:schemeClr val="accent1"/>
+          </a:fillRef>
+          <a:effectRef idx="0">
+            <a:schemeClr val="accent1"/>
+          </a:effectRef>
+          <a:fontRef idx="minor">
+            <a:schemeClr val="tx1"/>
+          </a:fontRef>
+        </p:style>
+      </p:cxnSp>
     </p:spTree>
   </p:cSld>
   <p:clrMapOvr>
@@ -5712,6 +6165,50 @@
                                         <p:strVal val="hidden"/>
                                       </p:to>
                                     </p:set>
+                                  </p:childTnLst>
+                                </p:cTn>
+                              </p:par>
+                            </p:childTnLst>
+                          </p:cTn>
+                        </p:par>
+                        <p:par>
+                          <p:cTn id="19" fill="hold">
+                            <p:stCondLst>
+                              <p:cond delay="500"/>
+                            </p:stCondLst>
+                            <p:childTnLst>
+                              <p:par>
+                                <p:cTn id="20" presetID="22" presetClass="entr" presetSubtype="8" fill="hold" nodeType="afterEffect">
+                                  <p:stCondLst>
+                                    <p:cond delay="0"/>
+                                  </p:stCondLst>
+                                  <p:childTnLst>
+                                    <p:set>
+                                      <p:cBhvr>
+                                        <p:cTn id="21" dur="1" fill="hold">
+                                          <p:stCondLst>
+                                            <p:cond delay="0"/>
+                                          </p:stCondLst>
+                                        </p:cTn>
+                                        <p:tgtEl>
+                                          <p:spTgt spid="7"/>
+                                        </p:tgtEl>
+                                        <p:attrNameLst>
+                                          <p:attrName>style.visibility</p:attrName>
+                                        </p:attrNameLst>
+                                      </p:cBhvr>
+                                      <p:to>
+                                        <p:strVal val="visible"/>
+                                      </p:to>
+                                    </p:set>
+                                    <p:animEffect transition="in" filter="wipe(left)">
+                                      <p:cBhvr>
+                                        <p:cTn id="22" dur="500"/>
+                                        <p:tgtEl>
+                                          <p:spTgt spid="7"/>
+                                        </p:tgtEl>
+                                      </p:cBhvr>
+                                    </p:animEffect>
                                   </p:childTnLst>
                                 </p:cTn>
                               </p:par>
@@ -5753,7 +6250,7 @@
 </p:sld>
 </file>
 
-<file path=ppt/slides/slide12.xml><?xml version="1.0" encoding="utf-8"?>
+<file path=ppt/slides/slide14.xml><?xml version="1.0" encoding="utf-8"?>
 <p:sld xmlns:a="http://schemas.openxmlformats.org/drawingml/2006/main" xmlns:r="http://schemas.openxmlformats.org/officeDocument/2006/relationships" xmlns:p="http://schemas.openxmlformats.org/presentationml/2006/main">
   <p:cSld>
     <p:spTree>
@@ -5770,30 +6267,66 @@
           <a:chExt cx="0" cy="0"/>
         </a:xfrm>
       </p:grpSpPr>
+      <p:sp>
+        <p:nvSpPr>
+          <p:cNvPr id="11" name="TextBox 10"/>
+          <p:cNvSpPr txBox="1"/>
+          <p:nvPr/>
+        </p:nvSpPr>
+        <p:spPr>
+          <a:xfrm>
+            <a:off x="1094125" y="3077944"/>
+            <a:ext cx="2031325" cy="646331"/>
+          </a:xfrm>
+          <a:prstGeom prst="rect">
+            <a:avLst/>
+          </a:prstGeom>
+          <a:noFill/>
+        </p:spPr>
+        <p:txBody>
+          <a:bodyPr wrap="none" rtlCol="0">
+            <a:spAutoFit/>
+          </a:bodyPr>
+          <a:lstStyle/>
+          <a:p>
+            <a:r>
+              <a:rPr lang="zh-CN" altLang="en-US" sz="3600" dirty="0" smtClean="0">
+                <a:latin typeface="微软雅黑 Light" pitchFamily="34" charset="-122"/>
+                <a:ea typeface="微软雅黑 Light" pitchFamily="34" charset="-122"/>
+              </a:rPr>
+              <a:t>如何使用</a:t>
+            </a:r>
+            <a:endParaRPr lang="zh-CN" altLang="en-US" sz="3600" dirty="0">
+              <a:latin typeface="微软雅黑 Light" pitchFamily="34" charset="-122"/>
+              <a:ea typeface="微软雅黑 Light" pitchFamily="34" charset="-122"/>
+            </a:endParaRPr>
+          </a:p>
+        </p:txBody>
+      </p:sp>
       <p:grpSp>
         <p:nvGrpSpPr>
-          <p:cNvPr id="2" name="组合 10"/>
+          <p:cNvPr id="17" name="组合 16"/>
           <p:cNvGrpSpPr/>
           <p:nvPr/>
         </p:nvGrpSpPr>
         <p:grpSpPr>
           <a:xfrm>
-            <a:off x="5080337" y="1560567"/>
-            <a:ext cx="2031325" cy="3918049"/>
-            <a:chOff x="5080337" y="1560567"/>
-            <a:chExt cx="2031325" cy="3918049"/>
+            <a:off x="5080000" y="1560830"/>
+            <a:ext cx="4523740" cy="3780155"/>
+            <a:chOff x="8000" y="2458"/>
+            <a:chExt cx="7124" cy="5953"/>
           </a:xfrm>
         </p:grpSpPr>
         <p:sp>
           <p:nvSpPr>
-            <p:cNvPr id="4" name="TextBox 3"/>
+            <p:cNvPr id="3" name="TextBox 3"/>
             <p:cNvSpPr txBox="1"/>
             <p:nvPr/>
           </p:nvSpPr>
           <p:spPr>
             <a:xfrm>
-              <a:off x="5080337" y="1560567"/>
-              <a:ext cx="2031325" cy="646331"/>
+              <a:off x="8000" y="2476"/>
+              <a:ext cx="2528" cy="851"/>
             </a:xfrm>
             <a:prstGeom prst="rect">
               <a:avLst/>
@@ -5804,32 +6337,151 @@
             <a:bodyPr wrap="none" rtlCol="0">
               <a:spAutoFit/>
             </a:bodyPr>
-            <a:lstStyle/>
             <a:p>
               <a:r>
-                <a:rPr lang="zh-CN" altLang="en-US" sz="3600" dirty="0" smtClean="0">
+                <a:rPr lang="zh-CN" altLang="en-US" sz="2800" dirty="0" smtClean="0">
                   <a:latin typeface="微软雅黑 Light" pitchFamily="34" charset="-122"/>
                   <a:ea typeface="微软雅黑 Light" pitchFamily="34" charset="-122"/>
                 </a:rPr>
-                <a:t>截取部分</a:t>
+                <a:t>截取一段</a:t>
               </a:r>
-              <a:endParaRPr lang="zh-CN" altLang="en-US" sz="3600" dirty="0">
+              <a:endParaRPr lang="zh-CN" altLang="en-US" sz="2800" dirty="0" smtClean="0">
                 <a:latin typeface="微软雅黑 Light" pitchFamily="34" charset="-122"/>
                 <a:ea typeface="微软雅黑 Light" pitchFamily="34" charset="-122"/>
               </a:endParaRPr>
             </a:p>
           </p:txBody>
         </p:sp>
+        <p:grpSp>
+          <p:nvGrpSpPr>
+            <p:cNvPr id="7" name="组合 11"/>
+            <p:cNvGrpSpPr/>
+            <p:nvPr/>
+          </p:nvGrpSpPr>
+          <p:grpSpPr>
+            <a:xfrm>
+              <a:off x="8001" y="4057"/>
+              <a:ext cx="2528" cy="4316"/>
+              <a:chOff x="5080337" y="2576229"/>
+              <a:chExt cx="1605280" cy="2740731"/>
+            </a:xfrm>
+          </p:grpSpPr>
+          <p:sp>
+            <p:nvSpPr>
+              <p:cNvPr id="8" name="TextBox 7"/>
+              <p:cNvSpPr txBox="1"/>
+              <p:nvPr/>
+            </p:nvSpPr>
+            <p:spPr>
+              <a:xfrm>
+                <a:off x="5080337" y="2576229"/>
+                <a:ext cx="1605280" cy="540385"/>
+              </a:xfrm>
+              <a:prstGeom prst="rect">
+                <a:avLst/>
+              </a:prstGeom>
+              <a:noFill/>
+            </p:spPr>
+            <p:txBody>
+              <a:bodyPr wrap="none" rtlCol="0">
+                <a:spAutoFit/>
+              </a:bodyPr>
+              <a:p>
+                <a:r>
+                  <a:rPr lang="zh-CN" altLang="en-US" sz="2800" dirty="0" smtClean="0">
+                    <a:latin typeface="微软雅黑 Light" pitchFamily="34" charset="-122"/>
+                    <a:ea typeface="微软雅黑 Light" pitchFamily="34" charset="-122"/>
+                  </a:rPr>
+                  <a:t>判断首尾</a:t>
+                </a:r>
+                <a:endParaRPr lang="zh-CN" altLang="en-US" sz="2800" dirty="0" smtClean="0">
+                  <a:latin typeface="微软雅黑 Light" pitchFamily="34" charset="-122"/>
+                  <a:ea typeface="微软雅黑 Light" pitchFamily="34" charset="-122"/>
+                </a:endParaRPr>
+              </a:p>
+            </p:txBody>
+          </p:sp>
+          <p:sp>
+            <p:nvSpPr>
+              <p:cNvPr id="10" name="TextBox 9"/>
+              <p:cNvSpPr txBox="1"/>
+              <p:nvPr/>
+            </p:nvSpPr>
+            <p:spPr>
+              <a:xfrm>
+                <a:off x="5080337" y="3752165"/>
+                <a:ext cx="1598012" cy="540385"/>
+              </a:xfrm>
+              <a:prstGeom prst="rect">
+                <a:avLst/>
+              </a:prstGeom>
+              <a:noFill/>
+            </p:spPr>
+            <p:txBody>
+              <a:bodyPr wrap="none" rtlCol="0">
+                <a:spAutoFit/>
+              </a:bodyPr>
+              <a:p>
+                <a:r>
+                  <a:rPr lang="zh-CN" altLang="en-US" sz="2800" dirty="0" smtClean="0">
+                    <a:latin typeface="微软雅黑 Light" pitchFamily="34" charset="-122"/>
+                    <a:ea typeface="微软雅黑 Light" pitchFamily="34" charset="-122"/>
+                  </a:rPr>
+                  <a:t>得到长度</a:t>
+                </a:r>
+                <a:endParaRPr lang="zh-CN" altLang="en-US" sz="2800" dirty="0" smtClean="0">
+                  <a:latin typeface="微软雅黑 Light" pitchFamily="34" charset="-122"/>
+                  <a:ea typeface="微软雅黑 Light" pitchFamily="34" charset="-122"/>
+                </a:endParaRPr>
+              </a:p>
+            </p:txBody>
+          </p:sp>
+          <p:sp>
+            <p:nvSpPr>
+              <p:cNvPr id="12" name="TextBox 10"/>
+              <p:cNvSpPr txBox="1"/>
+              <p:nvPr/>
+            </p:nvSpPr>
+            <p:spPr>
+              <a:xfrm>
+                <a:off x="5090738" y="4800535"/>
+                <a:ext cx="1271068" cy="516425"/>
+              </a:xfrm>
+              <a:prstGeom prst="rect">
+                <a:avLst/>
+              </a:prstGeom>
+              <a:noFill/>
+            </p:spPr>
+            <p:txBody>
+              <a:bodyPr wrap="none" rtlCol="0">
+                <a:spAutoFit/>
+              </a:bodyPr>
+              <a:p>
+                <a:r>
+                  <a:rPr lang="zh-CN" altLang="en-US" sz="2800" dirty="0" smtClean="0">
+                    <a:latin typeface="微软雅黑 Light" pitchFamily="34" charset="-122"/>
+                    <a:ea typeface="微软雅黑 Light" pitchFamily="34" charset="-122"/>
+                  </a:rPr>
+                  <a:t>是否包含</a:t>
+                </a:r>
+                <a:endParaRPr lang="zh-CN" altLang="en-US" sz="2800" dirty="0" smtClean="0">
+                  <a:latin typeface="微软雅黑 Light" pitchFamily="34" charset="-122"/>
+                  <a:ea typeface="微软雅黑 Light" pitchFamily="34" charset="-122"/>
+                </a:endParaRPr>
+              </a:p>
+            </p:txBody>
+          </p:sp>
+        </p:grpSp>
         <p:sp>
           <p:nvSpPr>
-            <p:cNvPr id="5" name="TextBox 4"/>
+            <p:cNvPr id="13" name="TextBox 10"/>
             <p:cNvSpPr txBox="1"/>
             <p:nvPr/>
           </p:nvSpPr>
           <p:spPr>
             <a:xfrm>
-              <a:off x="5080337" y="2576229"/>
-              <a:ext cx="2031325" cy="646331"/>
+              <a:off x="12596" y="2458"/>
+              <a:ext cx="2528" cy="851"/>
             </a:xfrm>
             <a:prstGeom prst="rect">
               <a:avLst/>
@@ -5840,28 +6492,31 @@
             <a:bodyPr wrap="none" rtlCol="0">
               <a:spAutoFit/>
             </a:bodyPr>
-            <a:lstStyle/>
             <a:p>
               <a:r>
-                <a:rPr lang="zh-CN" altLang="en-US" sz="3600" dirty="0" smtClean="0">
+                <a:rPr lang="zh-CN" altLang="en-US" sz="2800" dirty="0">
                   <a:latin typeface="微软雅黑 Light" pitchFamily="34" charset="-122"/>
                   <a:ea typeface="微软雅黑 Light" pitchFamily="34" charset="-122"/>
                 </a:rPr>
-                <a:t>判断首尾</a:t>
+                <a:t>创建对象</a:t>
               </a:r>
+              <a:endParaRPr lang="zh-CN" altLang="en-US" sz="2800" dirty="0">
+                <a:latin typeface="微软雅黑 Light" pitchFamily="34" charset="-122"/>
+                <a:ea typeface="微软雅黑 Light" pitchFamily="34" charset="-122"/>
+              </a:endParaRPr>
             </a:p>
           </p:txBody>
         </p:sp>
         <p:sp>
           <p:nvSpPr>
-            <p:cNvPr id="6" name="TextBox 5"/>
+            <p:cNvPr id="14" name="TextBox 7"/>
             <p:cNvSpPr txBox="1"/>
             <p:nvPr/>
           </p:nvSpPr>
           <p:spPr>
             <a:xfrm>
-              <a:off x="5080337" y="3752165"/>
-              <a:ext cx="2031325" cy="646331"/>
+              <a:off x="12596" y="4057"/>
+              <a:ext cx="2528" cy="851"/>
             </a:xfrm>
             <a:prstGeom prst="rect">
               <a:avLst/>
@@ -5872,28 +6527,31 @@
             <a:bodyPr wrap="none" rtlCol="0">
               <a:spAutoFit/>
             </a:bodyPr>
-            <a:lstStyle/>
             <a:p>
               <a:r>
-                <a:rPr lang="zh-CN" altLang="en-US" sz="3600" dirty="0" smtClean="0">
+                <a:rPr lang="zh-CN" altLang="en-US" sz="2800" dirty="0" smtClean="0">
                   <a:latin typeface="微软雅黑 Light" pitchFamily="34" charset="-122"/>
                   <a:ea typeface="微软雅黑 Light" pitchFamily="34" charset="-122"/>
                 </a:rPr>
-                <a:t>得到长度</a:t>
+                <a:t>替换内容</a:t>
               </a:r>
+              <a:endParaRPr lang="zh-CN" altLang="en-US" sz="2800" dirty="0" smtClean="0">
+                <a:latin typeface="微软雅黑 Light" pitchFamily="34" charset="-122"/>
+                <a:ea typeface="微软雅黑 Light" pitchFamily="34" charset="-122"/>
+              </a:endParaRPr>
             </a:p>
           </p:txBody>
         </p:sp>
         <p:sp>
           <p:nvSpPr>
-            <p:cNvPr id="9" name="TextBox 8"/>
+            <p:cNvPr id="15" name="TextBox 7"/>
             <p:cNvSpPr txBox="1"/>
             <p:nvPr/>
           </p:nvSpPr>
           <p:spPr>
             <a:xfrm>
-              <a:off x="5080337" y="4832285"/>
-              <a:ext cx="2031325" cy="646331"/>
+              <a:off x="12596" y="5892"/>
+              <a:ext cx="2528" cy="851"/>
             </a:xfrm>
             <a:prstGeom prst="rect">
               <a:avLst/>
@@ -5904,16 +6562,50 @@
             <a:bodyPr wrap="none" rtlCol="0">
               <a:spAutoFit/>
             </a:bodyPr>
-            <a:lstStyle/>
             <a:p>
               <a:r>
-                <a:rPr lang="zh-CN" altLang="en-US" sz="3600" dirty="0" smtClean="0">
+                <a:rPr lang="zh-CN" altLang="en-US" sz="2800" dirty="0" smtClean="0">
                   <a:latin typeface="微软雅黑 Light" pitchFamily="34" charset="-122"/>
                   <a:ea typeface="微软雅黑 Light" pitchFamily="34" charset="-122"/>
                 </a:rPr>
-                <a:t>是否包含</a:t>
+                <a:t>去除空格</a:t>
               </a:r>
-              <a:endParaRPr lang="zh-CN" altLang="en-US" sz="3600" dirty="0">
+              <a:endParaRPr lang="zh-CN" altLang="en-US" sz="2800" dirty="0" smtClean="0">
+                <a:latin typeface="微软雅黑 Light" pitchFamily="34" charset="-122"/>
+                <a:ea typeface="微软雅黑 Light" pitchFamily="34" charset="-122"/>
+              </a:endParaRPr>
+            </a:p>
+          </p:txBody>
+        </p:sp>
+        <p:sp>
+          <p:nvSpPr>
+            <p:cNvPr id="16" name="TextBox 7"/>
+            <p:cNvSpPr txBox="1"/>
+            <p:nvPr/>
+          </p:nvSpPr>
+          <p:spPr>
+            <a:xfrm>
+              <a:off x="12596" y="7560"/>
+              <a:ext cx="2528" cy="851"/>
+            </a:xfrm>
+            <a:prstGeom prst="rect">
+              <a:avLst/>
+            </a:prstGeom>
+            <a:noFill/>
+          </p:spPr>
+          <p:txBody>
+            <a:bodyPr wrap="none" rtlCol="0">
+              <a:spAutoFit/>
+            </a:bodyPr>
+            <a:p>
+              <a:r>
+                <a:rPr lang="zh-CN" altLang="en-US" sz="2800" dirty="0" smtClean="0">
+                  <a:latin typeface="微软雅黑 Light" pitchFamily="34" charset="-122"/>
+                  <a:ea typeface="微软雅黑 Light" pitchFamily="34" charset="-122"/>
+                </a:rPr>
+                <a:t>拆分数据</a:t>
+              </a:r>
+              <a:endParaRPr lang="zh-CN" altLang="en-US" sz="2800" dirty="0" smtClean="0">
                 <a:latin typeface="微软雅黑 Light" pitchFamily="34" charset="-122"/>
                 <a:ea typeface="微软雅黑 Light" pitchFamily="34" charset="-122"/>
               </a:endParaRPr>
@@ -5921,42 +6613,44 @@
           </p:txBody>
         </p:sp>
       </p:grpSp>
-      <p:sp>
-        <p:nvSpPr>
-          <p:cNvPr id="11" name="TextBox 10"/>
-          <p:cNvSpPr txBox="1"/>
+      <p:cxnSp>
+        <p:nvCxnSpPr>
+          <p:cNvPr id="19" name="直接连接符 18"/>
+          <p:cNvCxnSpPr/>
           <p:nvPr/>
-        </p:nvSpPr>
-        <p:spPr>
-          <a:xfrm>
-            <a:off x="1094125" y="3077944"/>
-            <a:ext cx="2031325" cy="646331"/>
-          </a:xfrm>
-          <a:prstGeom prst="rect">
-            <a:avLst/>
-          </a:prstGeom>
-          <a:noFill/>
-        </p:spPr>
-        <p:txBody>
-          <a:bodyPr wrap="none" rtlCol="0">
-            <a:spAutoFit/>
-          </a:bodyPr>
-          <a:lstStyle/>
-          <a:p>
-            <a:r>
-              <a:rPr lang="zh-CN" altLang="en-US" sz="3600" dirty="0" smtClean="0">
-                <a:latin typeface="微软雅黑 Light" pitchFamily="34" charset="-122"/>
-                <a:ea typeface="微软雅黑 Light" pitchFamily="34" charset="-122"/>
-              </a:rPr>
-              <a:t>如何使用</a:t>
-            </a:r>
-            <a:endParaRPr lang="zh-CN" altLang="en-US" sz="3600" dirty="0">
-              <a:latin typeface="微软雅黑 Light" pitchFamily="34" charset="-122"/>
-              <a:ea typeface="微软雅黑 Light" pitchFamily="34" charset="-122"/>
-            </a:endParaRPr>
-          </a:p>
-        </p:txBody>
-      </p:sp>
+        </p:nvCxnSpPr>
+        <p:spPr>
+          <a:xfrm>
+            <a:off x="869315" y="3788410"/>
+            <a:ext cx="2490470" cy="0"/>
+          </a:xfrm>
+          <a:prstGeom prst="line">
+            <a:avLst/>
+          </a:prstGeom>
+          <a:ln w="28575" cmpd="sng">
+            <a:solidFill>
+              <a:schemeClr val="accent1">
+                <a:shade val="50000"/>
+              </a:schemeClr>
+            </a:solidFill>
+            <a:prstDash val="solid"/>
+          </a:ln>
+        </p:spPr>
+        <p:style>
+          <a:lnRef idx="1">
+            <a:schemeClr val="accent1"/>
+          </a:lnRef>
+          <a:fillRef idx="0">
+            <a:schemeClr val="accent1"/>
+          </a:fillRef>
+          <a:effectRef idx="0">
+            <a:schemeClr val="accent1"/>
+          </a:effectRef>
+          <a:fontRef idx="minor">
+            <a:schemeClr val="tx1"/>
+          </a:fontRef>
+        </p:style>
+      </p:cxnSp>
     </p:spTree>
   </p:cSld>
   <p:clrMapOvr>
@@ -5989,7 +6683,7 @@
                             </p:stCondLst>
                             <p:childTnLst>
                               <p:par>
-                                <p:cTn id="5" presetID="10" presetClass="entr" presetSubtype="0" fill="hold" nodeType="afterEffect">
+                                <p:cTn id="5" presetID="22" presetClass="entr" presetSubtype="2" fill="hold" nodeType="withEffect">
                                   <p:stCondLst>
                                     <p:cond delay="0"/>
                                   </p:stCondLst>
@@ -6002,7 +6696,7 @@
                                           </p:stCondLst>
                                         </p:cTn>
                                         <p:tgtEl>
-                                          <p:spTgt spid="2"/>
+                                          <p:spTgt spid="17"/>
                                         </p:tgtEl>
                                         <p:attrNameLst>
                                           <p:attrName>style.visibility</p:attrName>
@@ -6012,11 +6706,11 @@
                                         <p:strVal val="visible"/>
                                       </p:to>
                                     </p:set>
-                                    <p:animEffect transition="in" filter="fade">
+                                    <p:animEffect transition="in" filter="wipe(right)">
                                       <p:cBhvr>
                                         <p:cTn id="7" dur="500"/>
                                         <p:tgtEl>
-                                          <p:spTgt spid="2"/>
+                                          <p:spTgt spid="17"/>
                                         </p:tgtEl>
                                       </p:cBhvr>
                                     </p:animEffect>
@@ -6054,7 +6748,7 @@
 </p:sld>
 </file>
 
-<file path=ppt/slides/slide13.xml><?xml version="1.0" encoding="utf-8"?>
+<file path=ppt/slides/slide15.xml><?xml version="1.0" encoding="utf-8"?>
 <p:sld xmlns:a="http://schemas.openxmlformats.org/drawingml/2006/main" xmlns:r="http://schemas.openxmlformats.org/officeDocument/2006/relationships" xmlns:p="http://schemas.openxmlformats.org/presentationml/2006/main">
   <p:cSld>
     <p:spTree>
@@ -6079,8 +6773,8 @@
         </p:nvSpPr>
         <p:spPr>
           <a:xfrm>
-            <a:off x="4849505" y="1560567"/>
-            <a:ext cx="2492990" cy="646331"/>
+            <a:off x="5080010" y="1571997"/>
+            <a:ext cx="1605280" cy="540385"/>
           </a:xfrm>
           <a:prstGeom prst="rect">
             <a:avLst/>
@@ -6094,134 +6788,127 @@
           <a:lstStyle/>
           <a:p>
             <a:r>
-              <a:rPr lang="zh-CN" altLang="en-US" sz="3600" dirty="0" smtClean="0">
+              <a:rPr lang="zh-CN" altLang="en-US" sz="2800" dirty="0" smtClean="0">
                 <a:latin typeface="微软雅黑 Light" pitchFamily="34" charset="-122"/>
                 <a:ea typeface="微软雅黑 Light" pitchFamily="34" charset="-122"/>
               </a:rPr>
-              <a:t>截取一部分</a:t>
-            </a:r>
-            <a:endParaRPr lang="zh-CN" altLang="en-US" sz="3600" dirty="0">
+              <a:t>截取一段</a:t>
+            </a:r>
+            <a:endParaRPr lang="zh-CN" altLang="en-US" sz="2800" dirty="0" smtClean="0">
               <a:latin typeface="微软雅黑 Light" pitchFamily="34" charset="-122"/>
               <a:ea typeface="微软雅黑 Light" pitchFamily="34" charset="-122"/>
             </a:endParaRPr>
           </a:p>
         </p:txBody>
       </p:sp>
-      <p:grpSp>
-        <p:nvGrpSpPr>
-          <p:cNvPr id="2" name="组合 11"/>
-          <p:cNvGrpSpPr/>
+      <p:sp>
+        <p:nvSpPr>
+          <p:cNvPr id="8" name="TextBox 7"/>
+          <p:cNvSpPr txBox="1"/>
           <p:nvPr/>
-        </p:nvGrpSpPr>
-        <p:grpSpPr>
-          <a:xfrm>
-            <a:off x="4387840" y="2576229"/>
-            <a:ext cx="3416320" cy="2902387"/>
-            <a:chOff x="4387840" y="2576229"/>
-            <a:chExt cx="3416320" cy="2902387"/>
-          </a:xfrm>
-        </p:grpSpPr>
-        <p:sp>
-          <p:nvSpPr>
-            <p:cNvPr id="8" name="TextBox 7"/>
-            <p:cNvSpPr txBox="1"/>
-            <p:nvPr/>
-          </p:nvSpPr>
-          <p:spPr>
-            <a:xfrm>
-              <a:off x="5080337" y="2576229"/>
-              <a:ext cx="2031325" cy="646331"/>
-            </a:xfrm>
-            <a:prstGeom prst="rect">
-              <a:avLst/>
-            </a:prstGeom>
-            <a:noFill/>
-          </p:spPr>
-          <p:txBody>
-            <a:bodyPr wrap="none" rtlCol="0">
-              <a:spAutoFit/>
-            </a:bodyPr>
-            <a:lstStyle/>
-            <a:p>
-              <a:r>
-                <a:rPr lang="zh-CN" altLang="en-US" sz="3600" dirty="0" smtClean="0">
-                  <a:latin typeface="微软雅黑 Light" pitchFamily="34" charset="-122"/>
-                  <a:ea typeface="微软雅黑 Light" pitchFamily="34" charset="-122"/>
-                </a:rPr>
-                <a:t>判断首尾</a:t>
-              </a:r>
-            </a:p>
-          </p:txBody>
-        </p:sp>
-        <p:sp>
-          <p:nvSpPr>
-            <p:cNvPr id="10" name="TextBox 9"/>
-            <p:cNvSpPr txBox="1"/>
-            <p:nvPr/>
-          </p:nvSpPr>
-          <p:spPr>
-            <a:xfrm>
-              <a:off x="5080337" y="3752165"/>
-              <a:ext cx="2031325" cy="646331"/>
-            </a:xfrm>
-            <a:prstGeom prst="rect">
-              <a:avLst/>
-            </a:prstGeom>
-            <a:noFill/>
-          </p:spPr>
-          <p:txBody>
-            <a:bodyPr wrap="none" rtlCol="0">
-              <a:spAutoFit/>
-            </a:bodyPr>
-            <a:lstStyle/>
-            <a:p>
-              <a:r>
-                <a:rPr lang="zh-CN" altLang="en-US" sz="3600" dirty="0" smtClean="0">
-                  <a:latin typeface="微软雅黑 Light" pitchFamily="34" charset="-122"/>
-                  <a:ea typeface="微软雅黑 Light" pitchFamily="34" charset="-122"/>
-                </a:rPr>
-                <a:t>得到长度</a:t>
-              </a:r>
-            </a:p>
-          </p:txBody>
-        </p:sp>
-        <p:sp>
-          <p:nvSpPr>
-            <p:cNvPr id="11" name="TextBox 10"/>
-            <p:cNvSpPr txBox="1"/>
-            <p:nvPr/>
-          </p:nvSpPr>
-          <p:spPr>
-            <a:xfrm>
-              <a:off x="4387840" y="4832285"/>
-              <a:ext cx="3416320" cy="646331"/>
-            </a:xfrm>
-            <a:prstGeom prst="rect">
-              <a:avLst/>
-            </a:prstGeom>
-            <a:noFill/>
-          </p:spPr>
-          <p:txBody>
-            <a:bodyPr wrap="none" rtlCol="0">
-              <a:spAutoFit/>
-            </a:bodyPr>
-            <a:lstStyle/>
-            <a:p>
-              <a:r>
-                <a:rPr lang="zh-CN" altLang="en-US" sz="3600" dirty="0" smtClean="0">
-                  <a:latin typeface="微软雅黑 Light" pitchFamily="34" charset="-122"/>
-                  <a:ea typeface="微软雅黑 Light" pitchFamily="34" charset="-122"/>
-                </a:rPr>
-                <a:t>是否包含某内容</a:t>
-              </a:r>
-              <a:endParaRPr lang="zh-CN" altLang="en-US" sz="3600" dirty="0">
+        </p:nvSpPr>
+        <p:spPr>
+          <a:xfrm>
+            <a:off x="5080635" y="2576195"/>
+            <a:ext cx="1605280" cy="540385"/>
+          </a:xfrm>
+          <a:prstGeom prst="rect">
+            <a:avLst/>
+          </a:prstGeom>
+          <a:noFill/>
+        </p:spPr>
+        <p:txBody>
+          <a:bodyPr wrap="none" rtlCol="0">
+            <a:spAutoFit/>
+          </a:bodyPr>
+          <a:lstStyle/>
+          <a:p>
+            <a:r>
+              <a:rPr lang="zh-CN" altLang="en-US" sz="2800" dirty="0" smtClean="0">
                 <a:latin typeface="微软雅黑 Light" pitchFamily="34" charset="-122"/>
                 <a:ea typeface="微软雅黑 Light" pitchFamily="34" charset="-122"/>
-              </a:endParaRPr>
-            </a:p>
-          </p:txBody>
-        </p:sp>
-      </p:grpSp>
+              </a:rPr>
+              <a:t>判断首尾</a:t>
+            </a:r>
+            <a:endParaRPr lang="zh-CN" altLang="en-US" sz="2800" dirty="0" smtClean="0">
+              <a:latin typeface="微软雅黑 Light" pitchFamily="34" charset="-122"/>
+              <a:ea typeface="微软雅黑 Light" pitchFamily="34" charset="-122"/>
+            </a:endParaRPr>
+          </a:p>
+        </p:txBody>
+      </p:sp>
+      <p:sp>
+        <p:nvSpPr>
+          <p:cNvPr id="10" name="TextBox 9"/>
+          <p:cNvSpPr txBox="1"/>
+          <p:nvPr/>
+        </p:nvSpPr>
+        <p:spPr>
+          <a:xfrm>
+            <a:off x="5080635" y="3752215"/>
+            <a:ext cx="1605280" cy="540385"/>
+          </a:xfrm>
+          <a:prstGeom prst="rect">
+            <a:avLst/>
+          </a:prstGeom>
+          <a:noFill/>
+        </p:spPr>
+        <p:txBody>
+          <a:bodyPr wrap="none" rtlCol="0">
+            <a:spAutoFit/>
+          </a:bodyPr>
+          <a:lstStyle/>
+          <a:p>
+            <a:r>
+              <a:rPr lang="zh-CN" altLang="en-US" sz="2800" dirty="0" smtClean="0">
+                <a:latin typeface="微软雅黑 Light" pitchFamily="34" charset="-122"/>
+                <a:ea typeface="微软雅黑 Light" pitchFamily="34" charset="-122"/>
+              </a:rPr>
+              <a:t>得到长度</a:t>
+            </a:r>
+            <a:endParaRPr lang="zh-CN" altLang="en-US" sz="2800" dirty="0" smtClean="0">
+              <a:latin typeface="微软雅黑 Light" pitchFamily="34" charset="-122"/>
+              <a:ea typeface="微软雅黑 Light" pitchFamily="34" charset="-122"/>
+            </a:endParaRPr>
+          </a:p>
+        </p:txBody>
+      </p:sp>
+      <p:sp>
+        <p:nvSpPr>
+          <p:cNvPr id="11" name="TextBox 10"/>
+          <p:cNvSpPr txBox="1"/>
+          <p:nvPr/>
+        </p:nvSpPr>
+        <p:spPr>
+          <a:xfrm>
+            <a:off x="5090795" y="4800600"/>
+            <a:ext cx="1605280" cy="540385"/>
+          </a:xfrm>
+          <a:prstGeom prst="rect">
+            <a:avLst/>
+          </a:prstGeom>
+          <a:noFill/>
+        </p:spPr>
+        <p:txBody>
+          <a:bodyPr wrap="none" rtlCol="0">
+            <a:spAutoFit/>
+          </a:bodyPr>
+          <a:lstStyle/>
+          <a:p>
+            <a:r>
+              <a:rPr lang="zh-CN" altLang="en-US" sz="2800" dirty="0" smtClean="0">
+                <a:latin typeface="微软雅黑 Light" pitchFamily="34" charset="-122"/>
+                <a:ea typeface="微软雅黑 Light" pitchFamily="34" charset="-122"/>
+              </a:rPr>
+              <a:t>是否包含</a:t>
+            </a:r>
+            <a:endParaRPr lang="zh-CN" altLang="en-US" sz="2800" dirty="0" smtClean="0">
+              <a:latin typeface="微软雅黑 Light" pitchFamily="34" charset="-122"/>
+              <a:ea typeface="微软雅黑 Light" pitchFamily="34" charset="-122"/>
+            </a:endParaRPr>
+          </a:p>
+        </p:txBody>
+      </p:sp>
       <p:sp>
         <p:nvSpPr>
           <p:cNvPr id="12" name="TextBox 11"/>
@@ -6258,6 +6945,184 @@
           </a:p>
         </p:txBody>
       </p:sp>
+      <p:sp>
+        <p:nvSpPr>
+          <p:cNvPr id="3" name="TextBox 10"/>
+          <p:cNvSpPr txBox="1"/>
+          <p:nvPr/>
+        </p:nvSpPr>
+        <p:spPr>
+          <a:xfrm>
+            <a:off x="7998450" y="1560765"/>
+            <a:ext cx="1605280" cy="540385"/>
+          </a:xfrm>
+          <a:prstGeom prst="rect">
+            <a:avLst/>
+          </a:prstGeom>
+          <a:noFill/>
+        </p:spPr>
+        <p:txBody>
+          <a:bodyPr wrap="none" rtlCol="0">
+            <a:spAutoFit/>
+          </a:bodyPr>
+          <a:p>
+            <a:r>
+              <a:rPr lang="zh-CN" altLang="en-US" sz="2800" dirty="0">
+                <a:latin typeface="微软雅黑 Light" pitchFamily="34" charset="-122"/>
+                <a:ea typeface="微软雅黑 Light" pitchFamily="34" charset="-122"/>
+              </a:rPr>
+              <a:t>创建对象</a:t>
+            </a:r>
+            <a:endParaRPr lang="zh-CN" altLang="en-US" sz="2800" dirty="0">
+              <a:latin typeface="微软雅黑 Light" pitchFamily="34" charset="-122"/>
+              <a:ea typeface="微软雅黑 Light" pitchFamily="34" charset="-122"/>
+            </a:endParaRPr>
+          </a:p>
+        </p:txBody>
+      </p:sp>
+      <p:sp>
+        <p:nvSpPr>
+          <p:cNvPr id="5" name="TextBox 7"/>
+          <p:cNvSpPr txBox="1"/>
+          <p:nvPr/>
+        </p:nvSpPr>
+        <p:spPr>
+          <a:xfrm>
+            <a:off x="7998162" y="2576229"/>
+            <a:ext cx="1605280" cy="540385"/>
+          </a:xfrm>
+          <a:prstGeom prst="rect">
+            <a:avLst/>
+          </a:prstGeom>
+          <a:noFill/>
+        </p:spPr>
+        <p:txBody>
+          <a:bodyPr wrap="none" rtlCol="0">
+            <a:spAutoFit/>
+          </a:bodyPr>
+          <a:p>
+            <a:r>
+              <a:rPr lang="zh-CN" altLang="en-US" sz="2800" dirty="0" smtClean="0">
+                <a:latin typeface="微软雅黑 Light" pitchFamily="34" charset="-122"/>
+                <a:ea typeface="微软雅黑 Light" pitchFamily="34" charset="-122"/>
+              </a:rPr>
+              <a:t>替换内容</a:t>
+            </a:r>
+            <a:endParaRPr lang="zh-CN" altLang="en-US" sz="2800" dirty="0" smtClean="0">
+              <a:latin typeface="微软雅黑 Light" pitchFamily="34" charset="-122"/>
+              <a:ea typeface="微软雅黑 Light" pitchFamily="34" charset="-122"/>
+            </a:endParaRPr>
+          </a:p>
+        </p:txBody>
+      </p:sp>
+      <p:sp>
+        <p:nvSpPr>
+          <p:cNvPr id="6" name="TextBox 7"/>
+          <p:cNvSpPr txBox="1"/>
+          <p:nvPr/>
+        </p:nvSpPr>
+        <p:spPr>
+          <a:xfrm>
+            <a:off x="7998162" y="3741454"/>
+            <a:ext cx="1605280" cy="540385"/>
+          </a:xfrm>
+          <a:prstGeom prst="rect">
+            <a:avLst/>
+          </a:prstGeom>
+          <a:noFill/>
+        </p:spPr>
+        <p:txBody>
+          <a:bodyPr wrap="none" rtlCol="0">
+            <a:spAutoFit/>
+          </a:bodyPr>
+          <a:p>
+            <a:r>
+              <a:rPr lang="zh-CN" altLang="en-US" sz="2800" dirty="0" smtClean="0">
+                <a:latin typeface="微软雅黑 Light" pitchFamily="34" charset="-122"/>
+                <a:ea typeface="微软雅黑 Light" pitchFamily="34" charset="-122"/>
+              </a:rPr>
+              <a:t>去除空格</a:t>
+            </a:r>
+            <a:endParaRPr lang="zh-CN" altLang="en-US" sz="2800" dirty="0" smtClean="0">
+              <a:latin typeface="微软雅黑 Light" pitchFamily="34" charset="-122"/>
+              <a:ea typeface="微软雅黑 Light" pitchFamily="34" charset="-122"/>
+            </a:endParaRPr>
+          </a:p>
+        </p:txBody>
+      </p:sp>
+      <p:sp>
+        <p:nvSpPr>
+          <p:cNvPr id="7" name="TextBox 7"/>
+          <p:cNvSpPr txBox="1"/>
+          <p:nvPr/>
+        </p:nvSpPr>
+        <p:spPr>
+          <a:xfrm>
+            <a:off x="7998162" y="4800634"/>
+            <a:ext cx="1605280" cy="540385"/>
+          </a:xfrm>
+          <a:prstGeom prst="rect">
+            <a:avLst/>
+          </a:prstGeom>
+          <a:noFill/>
+        </p:spPr>
+        <p:txBody>
+          <a:bodyPr wrap="none" rtlCol="0">
+            <a:spAutoFit/>
+          </a:bodyPr>
+          <a:p>
+            <a:r>
+              <a:rPr lang="zh-CN" altLang="en-US" sz="2800" dirty="0" smtClean="0">
+                <a:latin typeface="微软雅黑 Light" pitchFamily="34" charset="-122"/>
+                <a:ea typeface="微软雅黑 Light" pitchFamily="34" charset="-122"/>
+              </a:rPr>
+              <a:t>拆分数据</a:t>
+            </a:r>
+            <a:endParaRPr lang="zh-CN" altLang="en-US" sz="2800" dirty="0" smtClean="0">
+              <a:latin typeface="微软雅黑 Light" pitchFamily="34" charset="-122"/>
+              <a:ea typeface="微软雅黑 Light" pitchFamily="34" charset="-122"/>
+            </a:endParaRPr>
+          </a:p>
+        </p:txBody>
+      </p:sp>
+      <p:cxnSp>
+        <p:nvCxnSpPr>
+          <p:cNvPr id="9" name="直接连接符 8"/>
+          <p:cNvCxnSpPr/>
+          <p:nvPr/>
+        </p:nvCxnSpPr>
+        <p:spPr>
+          <a:xfrm>
+            <a:off x="864870" y="3752215"/>
+            <a:ext cx="2490470" cy="0"/>
+          </a:xfrm>
+          <a:prstGeom prst="line">
+            <a:avLst/>
+          </a:prstGeom>
+          <a:ln w="28575" cmpd="sng">
+            <a:solidFill>
+              <a:schemeClr val="accent1">
+                <a:shade val="50000"/>
+              </a:schemeClr>
+            </a:solidFill>
+            <a:prstDash val="solid"/>
+          </a:ln>
+        </p:spPr>
+        <p:style>
+          <a:lnRef idx="1">
+            <a:schemeClr val="accent1"/>
+          </a:lnRef>
+          <a:fillRef idx="0">
+            <a:schemeClr val="accent1"/>
+          </a:fillRef>
+          <a:effectRef idx="0">
+            <a:schemeClr val="accent1"/>
+          </a:effectRef>
+          <a:fontRef idx="minor">
+            <a:schemeClr val="tx1"/>
+          </a:fontRef>
+        </p:style>
+      </p:cxnSp>
     </p:spTree>
   </p:cSld>
   <p:clrMapOvr>
@@ -6327,16 +7192,16 @@
                                 </p:cTn>
                               </p:par>
                               <p:par>
-                                <p:cTn id="9" presetID="22" presetClass="exit" presetSubtype="1" fill="hold" nodeType="withEffect">
+                                <p:cTn id="9" presetID="22" presetClass="exit" presetSubtype="2" fill="hold" grpId="0" nodeType="withEffect">
                                   <p:stCondLst>
                                     <p:cond delay="0"/>
                                   </p:stCondLst>
                                   <p:childTnLst>
-                                    <p:animEffect transition="out" filter="wipe(up)">
+                                    <p:animEffect transition="out" filter="wipe(right)">
                                       <p:cBhvr>
                                         <p:cTn id="10" dur="500"/>
                                         <p:tgtEl>
-                                          <p:spTgt spid="2"/>
+                                          <p:spTgt spid="12"/>
                                         </p:tgtEl>
                                       </p:cBhvr>
                                     </p:animEffect>
@@ -6348,7 +7213,7 @@
                                           </p:stCondLst>
                                         </p:cTn>
                                         <p:tgtEl>
-                                          <p:spTgt spid="2"/>
+                                          <p:spTgt spid="12"/>
                                         </p:tgtEl>
                                         <p:attrNameLst>
                                           <p:attrName>style.visibility</p:attrName>
@@ -6362,28 +7227,273 @@
                                 </p:cTn>
                               </p:par>
                               <p:par>
-                                <p:cTn id="12" presetID="22" presetClass="exit" presetSubtype="2" fill="hold" grpId="0" nodeType="withEffect">
+                                <p:cTn id="12" presetID="22" presetClass="exit" presetSubtype="8" fill="hold" grpId="0" nodeType="withEffect">
+                                  <p:stCondLst>
+                                    <p:cond delay="0"/>
+                                  </p:stCondLst>
+                                  <p:childTnLst>
+                                    <p:animEffect transition="out" filter="wipe(left)">
+                                      <p:cBhvr>
+                                        <p:cTn id="13" dur="500"/>
+                                        <p:tgtEl>
+                                          <p:spTgt spid="3"/>
+                                        </p:tgtEl>
+                                      </p:cBhvr>
+                                    </p:animEffect>
+                                    <p:set>
+                                      <p:cBhvr>
+                                        <p:cTn id="14" dur="1" fill="hold">
+                                          <p:stCondLst>
+                                            <p:cond delay="499"/>
+                                          </p:stCondLst>
+                                        </p:cTn>
+                                        <p:tgtEl>
+                                          <p:spTgt spid="3"/>
+                                        </p:tgtEl>
+                                        <p:attrNameLst>
+                                          <p:attrName>style.visibility</p:attrName>
+                                        </p:attrNameLst>
+                                      </p:cBhvr>
+                                      <p:to>
+                                        <p:strVal val="hidden"/>
+                                      </p:to>
+                                    </p:set>
+                                  </p:childTnLst>
+                                </p:cTn>
+                              </p:par>
+                              <p:par>
+                                <p:cTn id="15" presetID="22" presetClass="exit" presetSubtype="8" fill="hold" grpId="0" nodeType="withEffect">
+                                  <p:stCondLst>
+                                    <p:cond delay="0"/>
+                                  </p:stCondLst>
+                                  <p:childTnLst>
+                                    <p:animEffect transition="out" filter="wipe(left)">
+                                      <p:cBhvr>
+                                        <p:cTn id="16" dur="500"/>
+                                        <p:tgtEl>
+                                          <p:spTgt spid="5"/>
+                                        </p:tgtEl>
+                                      </p:cBhvr>
+                                    </p:animEffect>
+                                    <p:set>
+                                      <p:cBhvr>
+                                        <p:cTn id="17" dur="1" fill="hold">
+                                          <p:stCondLst>
+                                            <p:cond delay="499"/>
+                                          </p:stCondLst>
+                                        </p:cTn>
+                                        <p:tgtEl>
+                                          <p:spTgt spid="5"/>
+                                        </p:tgtEl>
+                                        <p:attrNameLst>
+                                          <p:attrName>style.visibility</p:attrName>
+                                        </p:attrNameLst>
+                                      </p:cBhvr>
+                                      <p:to>
+                                        <p:strVal val="hidden"/>
+                                      </p:to>
+                                    </p:set>
+                                  </p:childTnLst>
+                                </p:cTn>
+                              </p:par>
+                              <p:par>
+                                <p:cTn id="18" presetID="22" presetClass="exit" presetSubtype="8" fill="hold" grpId="0" nodeType="withEffect">
+                                  <p:stCondLst>
+                                    <p:cond delay="0"/>
+                                  </p:stCondLst>
+                                  <p:childTnLst>
+                                    <p:animEffect transition="out" filter="wipe(left)">
+                                      <p:cBhvr>
+                                        <p:cTn id="19" dur="500"/>
+                                        <p:tgtEl>
+                                          <p:spTgt spid="6"/>
+                                        </p:tgtEl>
+                                      </p:cBhvr>
+                                    </p:animEffect>
+                                    <p:set>
+                                      <p:cBhvr>
+                                        <p:cTn id="20" dur="1" fill="hold">
+                                          <p:stCondLst>
+                                            <p:cond delay="499"/>
+                                          </p:stCondLst>
+                                        </p:cTn>
+                                        <p:tgtEl>
+                                          <p:spTgt spid="6"/>
+                                        </p:tgtEl>
+                                        <p:attrNameLst>
+                                          <p:attrName>style.visibility</p:attrName>
+                                        </p:attrNameLst>
+                                      </p:cBhvr>
+                                      <p:to>
+                                        <p:strVal val="hidden"/>
+                                      </p:to>
+                                    </p:set>
+                                  </p:childTnLst>
+                                </p:cTn>
+                              </p:par>
+                              <p:par>
+                                <p:cTn id="21" presetID="22" presetClass="exit" presetSubtype="8" fill="hold" grpId="0" nodeType="withEffect">
+                                  <p:stCondLst>
+                                    <p:cond delay="0"/>
+                                  </p:stCondLst>
+                                  <p:childTnLst>
+                                    <p:animEffect transition="out" filter="wipe(left)">
+                                      <p:cBhvr>
+                                        <p:cTn id="22" dur="500"/>
+                                        <p:tgtEl>
+                                          <p:spTgt spid="7"/>
+                                        </p:tgtEl>
+                                      </p:cBhvr>
+                                    </p:animEffect>
+                                    <p:set>
+                                      <p:cBhvr>
+                                        <p:cTn id="23" dur="1" fill="hold">
+                                          <p:stCondLst>
+                                            <p:cond delay="499"/>
+                                          </p:stCondLst>
+                                        </p:cTn>
+                                        <p:tgtEl>
+                                          <p:spTgt spid="7"/>
+                                        </p:tgtEl>
+                                        <p:attrNameLst>
+                                          <p:attrName>style.visibility</p:attrName>
+                                        </p:attrNameLst>
+                                      </p:cBhvr>
+                                      <p:to>
+                                        <p:strVal val="hidden"/>
+                                      </p:to>
+                                    </p:set>
+                                  </p:childTnLst>
+                                </p:cTn>
+                              </p:par>
+                              <p:par>
+                                <p:cTn id="24" presetID="22" presetClass="exit" presetSubtype="1" fill="hold" grpId="0" nodeType="withEffect">
+                                  <p:stCondLst>
+                                    <p:cond delay="0"/>
+                                  </p:stCondLst>
+                                  <p:childTnLst>
+                                    <p:animEffect transition="out" filter="wipe(up)">
+                                      <p:cBhvr>
+                                        <p:cTn id="25" dur="500"/>
+                                        <p:tgtEl>
+                                          <p:spTgt spid="8"/>
+                                        </p:tgtEl>
+                                      </p:cBhvr>
+                                    </p:animEffect>
+                                    <p:set>
+                                      <p:cBhvr>
+                                        <p:cTn id="26" dur="1" fill="hold">
+                                          <p:stCondLst>
+                                            <p:cond delay="499"/>
+                                          </p:stCondLst>
+                                        </p:cTn>
+                                        <p:tgtEl>
+                                          <p:spTgt spid="8"/>
+                                        </p:tgtEl>
+                                        <p:attrNameLst>
+                                          <p:attrName>style.visibility</p:attrName>
+                                        </p:attrNameLst>
+                                      </p:cBhvr>
+                                      <p:to>
+                                        <p:strVal val="hidden"/>
+                                      </p:to>
+                                    </p:set>
+                                  </p:childTnLst>
+                                </p:cTn>
+                              </p:par>
+                              <p:par>
+                                <p:cTn id="27" presetID="22" presetClass="exit" presetSubtype="1" fill="hold" grpId="0" nodeType="withEffect">
+                                  <p:stCondLst>
+                                    <p:cond delay="0"/>
+                                  </p:stCondLst>
+                                  <p:childTnLst>
+                                    <p:animEffect transition="out" filter="wipe(up)">
+                                      <p:cBhvr>
+                                        <p:cTn id="28" dur="500"/>
+                                        <p:tgtEl>
+                                          <p:spTgt spid="10"/>
+                                        </p:tgtEl>
+                                      </p:cBhvr>
+                                    </p:animEffect>
+                                    <p:set>
+                                      <p:cBhvr>
+                                        <p:cTn id="29" dur="1" fill="hold">
+                                          <p:stCondLst>
+                                            <p:cond delay="499"/>
+                                          </p:stCondLst>
+                                        </p:cTn>
+                                        <p:tgtEl>
+                                          <p:spTgt spid="10"/>
+                                        </p:tgtEl>
+                                        <p:attrNameLst>
+                                          <p:attrName>style.visibility</p:attrName>
+                                        </p:attrNameLst>
+                                      </p:cBhvr>
+                                      <p:to>
+                                        <p:strVal val="hidden"/>
+                                      </p:to>
+                                    </p:set>
+                                  </p:childTnLst>
+                                </p:cTn>
+                              </p:par>
+                              <p:par>
+                                <p:cTn id="30" presetID="22" presetClass="exit" presetSubtype="1" fill="hold" grpId="0" nodeType="withEffect">
+                                  <p:stCondLst>
+                                    <p:cond delay="0"/>
+                                  </p:stCondLst>
+                                  <p:childTnLst>
+                                    <p:animEffect transition="out" filter="wipe(up)">
+                                      <p:cBhvr>
+                                        <p:cTn id="31" dur="500"/>
+                                        <p:tgtEl>
+                                          <p:spTgt spid="11"/>
+                                        </p:tgtEl>
+                                      </p:cBhvr>
+                                    </p:animEffect>
+                                    <p:set>
+                                      <p:cBhvr>
+                                        <p:cTn id="32" dur="1" fill="hold">
+                                          <p:stCondLst>
+                                            <p:cond delay="499"/>
+                                          </p:stCondLst>
+                                        </p:cTn>
+                                        <p:tgtEl>
+                                          <p:spTgt spid="11"/>
+                                        </p:tgtEl>
+                                        <p:attrNameLst>
+                                          <p:attrName>style.visibility</p:attrName>
+                                        </p:attrNameLst>
+                                      </p:cBhvr>
+                                      <p:to>
+                                        <p:strVal val="hidden"/>
+                                      </p:to>
+                                    </p:set>
+                                  </p:childTnLst>
+                                </p:cTn>
+                              </p:par>
+                              <p:par>
+                                <p:cTn id="33" presetID="22" presetClass="exit" presetSubtype="2" fill="hold" nodeType="withEffect">
                                   <p:stCondLst>
                                     <p:cond delay="0"/>
                                   </p:stCondLst>
                                   <p:childTnLst>
                                     <p:animEffect transition="out" filter="wipe(right)">
                                       <p:cBhvr>
-                                        <p:cTn id="13" dur="500"/>
-                                        <p:tgtEl>
-                                          <p:spTgt spid="12"/>
+                                        <p:cTn id="34" dur="500"/>
+                                        <p:tgtEl>
+                                          <p:spTgt spid="9"/>
                                         </p:tgtEl>
                                       </p:cBhvr>
                                     </p:animEffect>
                                     <p:set>
                                       <p:cBhvr>
-                                        <p:cTn id="14" dur="1" fill="hold">
+                                        <p:cTn id="35" dur="1" fill="hold">
                                           <p:stCondLst>
                                             <p:cond delay="499"/>
                                           </p:stCondLst>
                                         </p:cTn>
                                         <p:tgtEl>
-                                          <p:spTgt spid="12"/>
+                                          <p:spTgt spid="9"/>
                                         </p:tgtEl>
                                         <p:attrNameLst>
                                           <p:attrName>style.visibility</p:attrName>
@@ -6427,12 +7537,19 @@
       <p:bldP spid="4" grpId="0"/>
       <p:bldP spid="4" grpId="1"/>
       <p:bldP spid="12" grpId="0"/>
+      <p:bldP spid="3" grpId="0"/>
+      <p:bldP spid="5" grpId="0"/>
+      <p:bldP spid="6" grpId="0"/>
+      <p:bldP spid="7" grpId="0"/>
+      <p:bldP spid="8" grpId="0"/>
+      <p:bldP spid="10" grpId="0"/>
+      <p:bldP spid="11" grpId="0"/>
     </p:bldLst>
   </p:timing>
 </p:sld>
 </file>
 
-<file path=ppt/slides/slide14.xml><?xml version="1.0" encoding="utf-8"?>
+<file path=ppt/slides/slide16.xml><?xml version="1.0" encoding="utf-8"?>
 <p:sld xmlns:a="http://schemas.openxmlformats.org/drawingml/2006/main" xmlns:r="http://schemas.openxmlformats.org/officeDocument/2006/relationships" xmlns:p="http://schemas.openxmlformats.org/presentationml/2006/main">
   <p:cSld>
     <p:spTree>
@@ -6493,10 +7610,10 @@
         </p:nvGrpSpPr>
         <p:grpSpPr>
           <a:xfrm>
-            <a:off x="5029554" y="1356157"/>
-            <a:ext cx="5780044" cy="4004865"/>
-            <a:chOff x="3974105" y="1356157"/>
-            <a:chExt cx="5780044" cy="4004865"/>
+            <a:off x="5029554" y="1714932"/>
+            <a:ext cx="6243955" cy="3312219"/>
+            <a:chOff x="3974105" y="1714932"/>
+            <a:chExt cx="6243955" cy="3312219"/>
           </a:xfrm>
         </p:grpSpPr>
         <p:sp>
@@ -6507,8 +7624,8 @@
           </p:nvSpPr>
           <p:spPr>
             <a:xfrm>
-              <a:off x="3974105" y="1356157"/>
-              <a:ext cx="4243790" cy="707886"/>
+              <a:off x="3974105" y="1714932"/>
+              <a:ext cx="4579620" cy="732790"/>
             </a:xfrm>
             <a:prstGeom prst="rect">
               <a:avLst/>
@@ -6522,22 +7639,37 @@
             <a:lstStyle/>
             <a:p>
               <a:r>
-                <a:rPr lang="en-US" altLang="zh-CN" sz="4000" dirty="0" err="1" smtClean="0"/>
+                <a:rPr lang="en-US" altLang="zh-CN" sz="4000" dirty="0" err="1" smtClean="0">
+                  <a:latin typeface="微软雅黑 Light" charset="0"/>
+                  <a:ea typeface="微软雅黑 Light" charset="0"/>
+                </a:rPr>
                 <a:t>subString</a:t>
               </a:r>
               <a:r>
-                <a:rPr lang="en-US" altLang="zh-CN" sz="4000" dirty="0" smtClean="0"/>
+                <a:rPr lang="en-US" altLang="zh-CN" sz="4000" dirty="0" smtClean="0">
+                  <a:latin typeface="微软雅黑 Light" charset="0"/>
+                  <a:ea typeface="微软雅黑 Light" charset="0"/>
+                </a:rPr>
                 <a:t>(</a:t>
               </a:r>
               <a:r>
-                <a:rPr lang="en-US" altLang="zh-CN" sz="4000" dirty="0" err="1" smtClean="0"/>
+                <a:rPr lang="en-US" altLang="zh-CN" sz="4000" dirty="0" err="1" smtClean="0">
+                  <a:latin typeface="微软雅黑 Light" charset="0"/>
+                  <a:ea typeface="微软雅黑 Light" charset="0"/>
+                </a:rPr>
                 <a:t>int</a:t>
               </a:r>
               <a:r>
-                <a:rPr lang="en-US" altLang="zh-CN" sz="4000" dirty="0" smtClean="0"/>
+                <a:rPr lang="en-US" altLang="zh-CN" sz="4000" dirty="0" smtClean="0">
+                  <a:latin typeface="微软雅黑 Light" charset="0"/>
+                  <a:ea typeface="微软雅黑 Light" charset="0"/>
+                </a:rPr>
                 <a:t> index)</a:t>
               </a:r>
-              <a:endParaRPr lang="zh-CN" altLang="en-US" sz="4000" dirty="0"/>
+              <a:endParaRPr lang="zh-CN" altLang="en-US" sz="4000" dirty="0">
+                <a:latin typeface="微软雅黑 Light" charset="0"/>
+                <a:ea typeface="微软雅黑 Light" charset="0"/>
+              </a:endParaRPr>
             </a:p>
           </p:txBody>
         </p:sp>
@@ -6549,8 +7681,8 @@
           </p:nvSpPr>
           <p:spPr>
             <a:xfrm>
-              <a:off x="3974105" y="4653136"/>
-              <a:ext cx="5780044" cy="707886"/>
+              <a:off x="3974105" y="4294361"/>
+              <a:ext cx="6243955" cy="732790"/>
             </a:xfrm>
             <a:prstGeom prst="rect">
               <a:avLst/>
@@ -6564,30 +7696,51 @@
             <a:lstStyle/>
             <a:p>
               <a:r>
-                <a:rPr lang="en-US" altLang="zh-CN" sz="4000" dirty="0" err="1" smtClean="0"/>
+                <a:rPr lang="en-US" altLang="zh-CN" sz="4000" dirty="0" err="1" smtClean="0">
+                  <a:latin typeface="微软雅黑 Light" charset="0"/>
+                  <a:ea typeface="微软雅黑 Light" charset="0"/>
+                </a:rPr>
                 <a:t>subString</a:t>
               </a:r>
               <a:r>
-                <a:rPr lang="en-US" altLang="zh-CN" sz="4000" dirty="0" smtClean="0"/>
+                <a:rPr lang="en-US" altLang="zh-CN" sz="4000" dirty="0" smtClean="0">
+                  <a:latin typeface="微软雅黑 Light" charset="0"/>
+                  <a:ea typeface="微软雅黑 Light" charset="0"/>
+                </a:rPr>
                 <a:t>(</a:t>
               </a:r>
               <a:r>
-                <a:rPr lang="en-US" altLang="zh-CN" sz="4000" dirty="0" err="1" smtClean="0"/>
+                <a:rPr lang="en-US" altLang="zh-CN" sz="4000" dirty="0" err="1" smtClean="0">
+                  <a:latin typeface="微软雅黑 Light" charset="0"/>
+                  <a:ea typeface="微软雅黑 Light" charset="0"/>
+                </a:rPr>
                 <a:t>int</a:t>
               </a:r>
               <a:r>
-                <a:rPr lang="en-US" altLang="zh-CN" sz="4000" dirty="0" smtClean="0"/>
+                <a:rPr lang="en-US" altLang="zh-CN" sz="4000" dirty="0" smtClean="0">
+                  <a:latin typeface="微软雅黑 Light" charset="0"/>
+                  <a:ea typeface="微软雅黑 Light" charset="0"/>
+                </a:rPr>
                 <a:t> start, </a:t>
               </a:r>
               <a:r>
-                <a:rPr lang="en-US" altLang="zh-CN" sz="4000" dirty="0" err="1" smtClean="0"/>
+                <a:rPr lang="en-US" altLang="zh-CN" sz="4000" dirty="0" err="1" smtClean="0">
+                  <a:latin typeface="微软雅黑 Light" charset="0"/>
+                  <a:ea typeface="微软雅黑 Light" charset="0"/>
+                </a:rPr>
                 <a:t>int</a:t>
               </a:r>
               <a:r>
-                <a:rPr lang="en-US" altLang="zh-CN" sz="4000" dirty="0" smtClean="0"/>
+                <a:rPr lang="en-US" altLang="zh-CN" sz="4000" dirty="0" smtClean="0">
+                  <a:latin typeface="微软雅黑 Light" charset="0"/>
+                  <a:ea typeface="微软雅黑 Light" charset="0"/>
+                </a:rPr>
                 <a:t> end)</a:t>
               </a:r>
-              <a:endParaRPr lang="zh-CN" altLang="en-US" sz="4000" dirty="0" smtClean="0"/>
+              <a:endParaRPr lang="zh-CN" altLang="en-US" sz="4000" dirty="0" smtClean="0">
+                <a:latin typeface="微软雅黑 Light" charset="0"/>
+                <a:ea typeface="微软雅黑 Light" charset="0"/>
+              </a:endParaRPr>
             </a:p>
           </p:txBody>
         </p:sp>
@@ -6749,7 +7902,7 @@
 </p:sld>
 </file>
 
-<file path=ppt/slides/slide15.xml><?xml version="1.0" encoding="utf-8"?>
+<file path=ppt/slides/slide17.xml><?xml version="1.0" encoding="utf-8"?>
 <p:sld xmlns:a="http://schemas.openxmlformats.org/drawingml/2006/main" xmlns:r="http://schemas.openxmlformats.org/officeDocument/2006/relationships" xmlns:p="http://schemas.openxmlformats.org/presentationml/2006/main">
   <p:cSld>
     <p:spTree>
@@ -6775,7 +7928,7 @@
         <p:spPr>
           <a:xfrm>
             <a:off x="527512" y="2967335"/>
-            <a:ext cx="3647152" cy="923330"/>
+            <a:ext cx="3611880" cy="957580"/>
           </a:xfrm>
           <a:prstGeom prst="rect">
             <a:avLst/>
@@ -6790,14 +7943,14 @@
           <a:p>
             <a:r>
               <a:rPr lang="zh-CN" altLang="en-US" sz="5400" dirty="0" smtClean="0">
-                <a:latin typeface="微软雅黑 Light" pitchFamily="34" charset="-122"/>
-                <a:ea typeface="微软雅黑 Light" pitchFamily="34" charset="-122"/>
+                <a:latin typeface="微软雅黑 Light" charset="0"/>
+                <a:ea typeface="微软雅黑 Light" charset="0"/>
               </a:rPr>
               <a:t>截取一部分</a:t>
             </a:r>
-            <a:endParaRPr lang="zh-CN" altLang="en-US" sz="5400" dirty="0">
-              <a:latin typeface="微软雅黑 Light" pitchFamily="34" charset="-122"/>
-              <a:ea typeface="微软雅黑 Light" pitchFamily="34" charset="-122"/>
+            <a:endParaRPr lang="zh-CN" altLang="en-US" sz="5400" dirty="0" smtClean="0">
+              <a:latin typeface="微软雅黑 Light" charset="0"/>
+              <a:ea typeface="微软雅黑 Light" charset="0"/>
             </a:endParaRPr>
           </a:p>
         </p:txBody>
@@ -6811,7 +7964,7 @@
         <p:spPr>
           <a:xfrm>
             <a:off x="5029554" y="1356157"/>
-            <a:ext cx="4243790" cy="707886"/>
+            <a:ext cx="4579620" cy="732790"/>
           </a:xfrm>
           <a:prstGeom prst="rect">
             <a:avLst/>
@@ -6825,22 +7978,37 @@
           <a:lstStyle/>
           <a:p>
             <a:r>
-              <a:rPr lang="en-US" altLang="zh-CN" sz="4000" dirty="0" err="1" smtClean="0"/>
+              <a:rPr lang="en-US" altLang="zh-CN" sz="4000" dirty="0" err="1" smtClean="0">
+                <a:latin typeface="微软雅黑 Light" charset="0"/>
+                <a:ea typeface="微软雅黑 Light" charset="0"/>
+              </a:rPr>
               <a:t>subString</a:t>
             </a:r>
             <a:r>
-              <a:rPr lang="en-US" altLang="zh-CN" sz="4000" dirty="0" smtClean="0"/>
+              <a:rPr lang="en-US" altLang="zh-CN" sz="4000" dirty="0" smtClean="0">
+                <a:latin typeface="微软雅黑 Light" charset="0"/>
+                <a:ea typeface="微软雅黑 Light" charset="0"/>
+              </a:rPr>
               <a:t>(</a:t>
             </a:r>
             <a:r>
-              <a:rPr lang="en-US" altLang="zh-CN" sz="4000" dirty="0" err="1" smtClean="0"/>
+              <a:rPr lang="en-US" altLang="zh-CN" sz="4000" dirty="0" err="1" smtClean="0">
+                <a:latin typeface="微软雅黑 Light" charset="0"/>
+                <a:ea typeface="微软雅黑 Light" charset="0"/>
+              </a:rPr>
               <a:t>int</a:t>
             </a:r>
             <a:r>
-              <a:rPr lang="en-US" altLang="zh-CN" sz="4000" dirty="0" smtClean="0"/>
+              <a:rPr lang="en-US" altLang="zh-CN" sz="4000" dirty="0" smtClean="0">
+                <a:latin typeface="微软雅黑 Light" charset="0"/>
+                <a:ea typeface="微软雅黑 Light" charset="0"/>
+              </a:rPr>
               <a:t> index)</a:t>
             </a:r>
-            <a:endParaRPr lang="zh-CN" altLang="en-US" sz="4000" dirty="0"/>
+            <a:endParaRPr lang="zh-CN" altLang="en-US" sz="4000" dirty="0">
+              <a:latin typeface="微软雅黑 Light" charset="0"/>
+              <a:ea typeface="微软雅黑 Light" charset="0"/>
+            </a:endParaRPr>
           </a:p>
         </p:txBody>
       </p:sp>
@@ -6853,7 +8021,7 @@
         <p:spPr>
           <a:xfrm>
             <a:off x="5029554" y="4653136"/>
-            <a:ext cx="5780044" cy="707886"/>
+            <a:ext cx="6243955" cy="732790"/>
           </a:xfrm>
           <a:prstGeom prst="rect">
             <a:avLst/>
@@ -6867,30 +8035,86 @@
           <a:lstStyle/>
           <a:p>
             <a:r>
-              <a:rPr lang="en-US" altLang="zh-CN" sz="4000" dirty="0" err="1" smtClean="0"/>
+              <a:rPr lang="en-US" altLang="zh-CN" sz="4000" dirty="0" err="1" smtClean="0">
+                <a:latin typeface="微软雅黑 Light" charset="0"/>
+                <a:ea typeface="微软雅黑 Light" charset="0"/>
+              </a:rPr>
               <a:t>subString</a:t>
             </a:r>
             <a:r>
-              <a:rPr lang="en-US" altLang="zh-CN" sz="4000" dirty="0" smtClean="0"/>
+              <a:rPr lang="en-US" altLang="zh-CN" sz="4000" dirty="0" smtClean="0">
+                <a:latin typeface="微软雅黑 Light" charset="0"/>
+                <a:ea typeface="微软雅黑 Light" charset="0"/>
+              </a:rPr>
               <a:t>(</a:t>
             </a:r>
             <a:r>
-              <a:rPr lang="en-US" altLang="zh-CN" sz="4000" dirty="0" err="1" smtClean="0"/>
+              <a:rPr lang="en-US" altLang="zh-CN" sz="4000" dirty="0" err="1" smtClean="0">
+                <a:latin typeface="微软雅黑 Light" charset="0"/>
+                <a:ea typeface="微软雅黑 Light" charset="0"/>
+              </a:rPr>
               <a:t>int</a:t>
             </a:r>
             <a:r>
-              <a:rPr lang="en-US" altLang="zh-CN" sz="4000" dirty="0" smtClean="0"/>
+              <a:rPr lang="en-US" altLang="zh-CN" sz="4000" dirty="0" smtClean="0">
+                <a:latin typeface="微软雅黑 Light" charset="0"/>
+                <a:ea typeface="微软雅黑 Light" charset="0"/>
+              </a:rPr>
               <a:t> start, </a:t>
             </a:r>
             <a:r>
-              <a:rPr lang="en-US" altLang="zh-CN" sz="4000" dirty="0" err="1" smtClean="0"/>
+              <a:rPr lang="en-US" altLang="zh-CN" sz="4000" dirty="0" err="1" smtClean="0">
+                <a:latin typeface="微软雅黑 Light" charset="0"/>
+                <a:ea typeface="微软雅黑 Light" charset="0"/>
+              </a:rPr>
               <a:t>int</a:t>
             </a:r>
             <a:r>
-              <a:rPr lang="en-US" altLang="zh-CN" sz="4000" dirty="0" smtClean="0"/>
+              <a:rPr lang="en-US" altLang="zh-CN" sz="4000" dirty="0" smtClean="0">
+                <a:latin typeface="微软雅黑 Light" charset="0"/>
+                <a:ea typeface="微软雅黑 Light" charset="0"/>
+              </a:rPr>
               <a:t> end)</a:t>
             </a:r>
-            <a:endParaRPr lang="zh-CN" altLang="en-US" sz="4000" dirty="0" smtClean="0"/>
+            <a:endParaRPr lang="zh-CN" altLang="en-US" sz="4000" dirty="0" smtClean="0">
+              <a:latin typeface="微软雅黑 Light" charset="0"/>
+              <a:ea typeface="微软雅黑 Light" charset="0"/>
+            </a:endParaRPr>
+          </a:p>
+        </p:txBody>
+      </p:sp>
+      <p:sp>
+        <p:nvSpPr>
+          <p:cNvPr id="5" name="文本框 4"/>
+          <p:cNvSpPr txBox="1"/>
+          <p:nvPr/>
+        </p:nvSpPr>
+        <p:spPr>
+          <a:xfrm>
+            <a:off x="1297940" y="3924935"/>
+            <a:ext cx="5059680" cy="604520"/>
+          </a:xfrm>
+          <a:prstGeom prst="rect">
+            <a:avLst/>
+          </a:prstGeom>
+          <a:noFill/>
+        </p:spPr>
+        <p:txBody>
+          <a:bodyPr wrap="none" rtlCol="0">
+            <a:spAutoFit/>
+          </a:bodyPr>
+          <a:p>
+            <a:r>
+              <a:rPr lang="zh-CN" altLang="en-US" sz="3200">
+                <a:latin typeface="微软雅黑 Light" charset="0"/>
+                <a:ea typeface="微软雅黑 Light" charset="0"/>
+              </a:rPr>
+              <a:t>截取指定索引后面的字符串</a:t>
+            </a:r>
+            <a:endParaRPr lang="zh-CN" altLang="en-US" sz="3200">
+              <a:latin typeface="微软雅黑 Light" charset="0"/>
+              <a:ea typeface="微软雅黑 Light" charset="0"/>
+            </a:endParaRPr>
           </a:p>
         </p:txBody>
       </p:sp>
@@ -6952,7 +8176,7 @@
                                   <p:childTnLst>
                                     <p:animEffect transition="out" filter="fade">
                                       <p:cBhvr>
-                                        <p:cTn id="8" dur="1000"/>
+                                        <p:cTn id="8" dur="500"/>
                                         <p:tgtEl>
                                           <p:spTgt spid="9"/>
                                         </p:tgtEl>
@@ -6962,7 +8186,7 @@
                                       <p:cBhvr>
                                         <p:cTn id="9" dur="1" fill="hold">
                                           <p:stCondLst>
-                                            <p:cond delay="999"/>
+                                            <p:cond delay="500"/>
                                           </p:stCondLst>
                                         </p:cTn>
                                         <p:tgtEl>
@@ -6987,7 +8211,7 @@
                                   <p:childTnLst>
                                     <p:animEffect transition="out" filter="fade">
                                       <p:cBhvr>
-                                        <p:cTn id="11" dur="1000"/>
+                                        <p:cTn id="11" dur="500"/>
                                         <p:tgtEl>
                                           <p:spTgt spid="4"/>
                                         </p:tgtEl>
@@ -6997,7 +8221,7 @@
                                       <p:cBhvr>
                                         <p:cTn id="12" dur="1" fill="hold">
                                           <p:stCondLst>
-                                            <p:cond delay="999"/>
+                                            <p:cond delay="500"/>
                                           </p:stCondLst>
                                         </p:cTn>
                                         <p:tgtEl>
@@ -7011,6 +8235,41 @@
                                         <p:strVal val="hidden"/>
                                       </p:to>
                                     </p:set>
+                                  </p:childTnLst>
+                                </p:cTn>
+                              </p:par>
+                              <p:par>
+                                <p:cTn id="13" presetID="22" presetClass="entr" presetSubtype="1" fill="hold" grpId="4" nodeType="withEffect">
+                                  <p:stCondLst>
+                                    <p:cond delay="0"/>
+                                  </p:stCondLst>
+                                  <p:childTnLst>
+                                    <p:set>
+                                      <p:cBhvr>
+                                        <p:cTn id="14" dur="1" fill="hold">
+                                          <p:stCondLst>
+                                            <p:cond delay="0"/>
+                                          </p:stCondLst>
+                                        </p:cTn>
+                                        <p:tgtEl>
+                                          <p:spTgt spid="5"/>
+                                        </p:tgtEl>
+                                        <p:attrNameLst>
+                                          <p:attrName>style.visibility</p:attrName>
+                                        </p:attrNameLst>
+                                      </p:cBhvr>
+                                      <p:to>
+                                        <p:strVal val="visible"/>
+                                      </p:to>
+                                    </p:set>
+                                    <p:animEffect transition="in" filter="wipe(up)">
+                                      <p:cBhvr>
+                                        <p:cTn id="15" dur="500"/>
+                                        <p:tgtEl>
+                                          <p:spTgt spid="5"/>
+                                        </p:tgtEl>
+                                      </p:cBhvr>
+                                    </p:animEffect>
                                   </p:childTnLst>
                                 </p:cTn>
                               </p:par>
@@ -7045,13 +8304,18 @@
       <p:bldP spid="4" grpId="0"/>
       <p:bldP spid="7" grpId="1"/>
       <p:bldP spid="9" grpId="0"/>
+      <p:bldP spid="5" grpId="0"/>
+      <p:bldP spid="5" grpId="1"/>
+      <p:bldP spid="5" grpId="2"/>
+      <p:bldP spid="5" grpId="3"/>
+      <p:bldP spid="5" grpId="4"/>
     </p:bldLst>
   </p:timing>
 </p:sld>
 </file>
 
-<file path=ppt/slides/slide16.xml><?xml version="1.0" encoding="utf-8"?>
-<p:sld xmlns:a="http://schemas.openxmlformats.org/drawingml/2006/main" xmlns:r="http://schemas.openxmlformats.org/officeDocument/2006/relationships" xmlns:p="http://schemas.openxmlformats.org/presentationml/2006/main" showMasterSp="0">
+<file path=ppt/slides/slide18.xml><?xml version="1.0" encoding="utf-8"?>
+<p:sld xmlns:a="http://schemas.openxmlformats.org/drawingml/2006/main" xmlns:r="http://schemas.openxmlformats.org/officeDocument/2006/relationships" xmlns:p="http://schemas.openxmlformats.org/presentationml/2006/main">
   <p:cSld>
     <p:spTree>
       <p:nvGrpSpPr>
@@ -7059,48 +8323,17 @@
         <p:cNvGrpSpPr/>
         <p:nvPr/>
       </p:nvGrpSpPr>
-      <p:grpSpPr>
-        <a:xfrm>
-          <a:off x="0" y="0"/>
-          <a:ext cx="0" cy="0"/>
-          <a:chOff x="0" y="0"/>
-          <a:chExt cx="0" cy="0"/>
-        </a:xfrm>
-      </p:grpSpPr>
-      <p:pic>
-        <p:nvPicPr>
-          <p:cNvPr id="2" name="图片 1" descr="图片1.png"/>
-          <p:cNvPicPr>
-            <a:picLocks noChangeAspect="1"/>
-          </p:cNvPicPr>
-          <p:nvPr/>
-        </p:nvPicPr>
-        <p:blipFill>
-          <a:blip r:embed="rId2" cstate="print"/>
-          <a:stretch>
-            <a:fillRect/>
-          </a:stretch>
-        </p:blipFill>
-        <p:spPr>
-          <a:xfrm>
-            <a:off x="10404568" y="308006"/>
-            <a:ext cx="1485714" cy="485714"/>
-          </a:xfrm>
-          <a:prstGeom prst="rect">
-            <a:avLst/>
-          </a:prstGeom>
-        </p:spPr>
-      </p:pic>
+      <p:grpSpPr/>
       <p:sp>
         <p:nvSpPr>
-          <p:cNvPr id="3" name="TextBox 2"/>
+          <p:cNvPr id="7" name="TextBox 6"/>
           <p:cNvSpPr txBox="1"/>
           <p:nvPr/>
         </p:nvSpPr>
         <p:spPr>
           <a:xfrm>
-            <a:off x="10708843" y="6282809"/>
-            <a:ext cx="877163" cy="369332"/>
+            <a:off x="1378939" y="3062402"/>
+            <a:ext cx="4579620" cy="732790"/>
           </a:xfrm>
           <a:prstGeom prst="rect">
             <a:avLst/>
@@ -7111,18 +8344,129 @@
           <a:bodyPr wrap="none" rtlCol="0">
             <a:spAutoFit/>
           </a:bodyPr>
-          <a:lstStyle/>
-          <a:p>
-            <a:r>
-              <a:rPr lang="zh-CN" altLang="en-US" dirty="0" smtClean="0">
-                <a:latin typeface="微软雅黑 Light" pitchFamily="34" charset="-122"/>
-                <a:ea typeface="微软雅黑 Light" pitchFamily="34" charset="-122"/>
+          <a:p>
+            <a:r>
+              <a:rPr lang="en-US" altLang="zh-CN" sz="4000" dirty="0" err="1" smtClean="0">
+                <a:latin typeface="微软雅黑 Light" charset="0"/>
+                <a:ea typeface="微软雅黑 Light" charset="0"/>
               </a:rPr>
-              <a:t>郭兴楠</a:t>
-            </a:r>
-            <a:endParaRPr lang="zh-CN" altLang="en-US" dirty="0">
-              <a:latin typeface="微软雅黑 Light" pitchFamily="34" charset="-122"/>
-              <a:ea typeface="微软雅黑 Light" pitchFamily="34" charset="-122"/>
+              <a:t>subString</a:t>
+            </a:r>
+            <a:r>
+              <a:rPr lang="en-US" altLang="zh-CN" sz="4000" dirty="0" smtClean="0">
+                <a:latin typeface="微软雅黑 Light" charset="0"/>
+                <a:ea typeface="微软雅黑 Light" charset="0"/>
+              </a:rPr>
+              <a:t>(</a:t>
+            </a:r>
+            <a:r>
+              <a:rPr lang="en-US" altLang="zh-CN" sz="4000" dirty="0" err="1" smtClean="0">
+                <a:latin typeface="微软雅黑 Light" charset="0"/>
+                <a:ea typeface="微软雅黑 Light" charset="0"/>
+              </a:rPr>
+              <a:t>int</a:t>
+            </a:r>
+            <a:r>
+              <a:rPr lang="en-US" altLang="zh-CN" sz="4000" dirty="0" smtClean="0">
+                <a:latin typeface="微软雅黑 Light" charset="0"/>
+                <a:ea typeface="微软雅黑 Light" charset="0"/>
+              </a:rPr>
+              <a:t> index)</a:t>
+            </a:r>
+            <a:endParaRPr lang="zh-CN" altLang="en-US" sz="4000" dirty="0">
+              <a:latin typeface="微软雅黑 Light" charset="0"/>
+              <a:ea typeface="微软雅黑 Light" charset="0"/>
+            </a:endParaRPr>
+          </a:p>
+        </p:txBody>
+      </p:sp>
+      <p:sp>
+        <p:nvSpPr>
+          <p:cNvPr id="4" name="文本框 3"/>
+          <p:cNvSpPr txBox="1"/>
+          <p:nvPr/>
+        </p:nvSpPr>
+        <p:spPr>
+          <a:xfrm>
+            <a:off x="5544185" y="2126615"/>
+            <a:ext cx="5999480" cy="604520"/>
+          </a:xfrm>
+          <a:prstGeom prst="rect">
+            <a:avLst/>
+          </a:prstGeom>
+          <a:noFill/>
+        </p:spPr>
+        <p:txBody>
+          <a:bodyPr wrap="none" rtlCol="0">
+            <a:spAutoFit/>
+          </a:bodyPr>
+          <a:p>
+            <a:r>
+              <a:rPr lang="en-US" altLang="zh-CN" sz="3200">
+                <a:latin typeface="微软雅黑 Light" charset="0"/>
+                <a:ea typeface="微软雅黑 Light" charset="0"/>
+              </a:rPr>
+              <a:t>String s = “12356895456</a:t>
+            </a:r>
+            <a:r>
+              <a:rPr lang="zh-CN" altLang="en-US" sz="3200">
+                <a:latin typeface="微软雅黑 Light" charset="0"/>
+                <a:ea typeface="微软雅黑 Light" charset="0"/>
+              </a:rPr>
+              <a:t>周伯通</a:t>
+            </a:r>
+            <a:r>
+              <a:rPr lang="en-US" altLang="zh-CN" sz="3200">
+                <a:latin typeface="微软雅黑 Light" charset="0"/>
+                <a:ea typeface="微软雅黑 Light" charset="0"/>
+              </a:rPr>
+              <a:t>”</a:t>
+            </a:r>
+            <a:endParaRPr lang="zh-CN" altLang="en-US" sz="3200">
+              <a:latin typeface="微软雅黑 Light" charset="0"/>
+              <a:ea typeface="微软雅黑 Light" charset="0"/>
+            </a:endParaRPr>
+          </a:p>
+        </p:txBody>
+      </p:sp>
+      <p:sp>
+        <p:nvSpPr>
+          <p:cNvPr id="5" name="文本框 4"/>
+          <p:cNvSpPr txBox="1"/>
+          <p:nvPr/>
+        </p:nvSpPr>
+        <p:spPr>
+          <a:xfrm>
+            <a:off x="1099820" y="3795395"/>
+            <a:ext cx="5059680" cy="604520"/>
+          </a:xfrm>
+          <a:prstGeom prst="rect">
+            <a:avLst/>
+          </a:prstGeom>
+          <a:noFill/>
+        </p:spPr>
+        <p:txBody>
+          <a:bodyPr wrap="none" rtlCol="0">
+            <a:spAutoFit/>
+          </a:bodyPr>
+          <a:p>
+            <a:r>
+              <a:rPr lang="zh-CN" altLang="en-US" sz="3200">
+                <a:latin typeface="微软雅黑 Light" charset="0"/>
+                <a:ea typeface="微软雅黑 Light" charset="0"/>
+              </a:rPr>
+              <a:t>截取</a:t>
+            </a:r>
+            <a:r>
+              <a:rPr lang="zh-CN" altLang="en-US" sz="3200">
+                <a:latin typeface="微软雅黑 Light" charset="0"/>
+                <a:ea typeface="微软雅黑 Light" charset="0"/>
+              </a:rPr>
+              <a:t>指定索引后面的字符串</a:t>
+            </a:r>
+            <a:endParaRPr lang="zh-CN" altLang="en-US" sz="3200">
+              <a:latin typeface="微软雅黑 Light" charset="0"/>
+              <a:ea typeface="微软雅黑 Light" charset="0"/>
             </a:endParaRPr>
           </a:p>
         </p:txBody>
@@ -7135,101 +8479,64 @@
   <p:timing>
     <p:tnLst>
       <p:par>
-        <p:cTn id="1" dur="indefinite" restart="never" nodeType="tmRoot">
-          <p:childTnLst>
-            <p:seq concurrent="1" nextAc="seek">
-              <p:cTn id="2" dur="indefinite" nodeType="mainSeq">
-                <p:childTnLst>
-                  <p:par>
-                    <p:cTn id="3" fill="hold">
-                      <p:stCondLst>
-                        <p:cond delay="indefinite"/>
-                        <p:cond evt="onBegin" delay="0">
-                          <p:tn val="2"/>
-                        </p:cond>
-                      </p:stCondLst>
-                      <p:childTnLst>
-                        <p:par>
-                          <p:cTn id="4" fill="hold">
-                            <p:stCondLst>
-                              <p:cond delay="0"/>
-                            </p:stCondLst>
-                            <p:childTnLst>
-                              <p:par>
-                                <p:cTn id="5" presetID="35" presetClass="path" presetSubtype="0" accel="50000" decel="50000" fill="hold" nodeType="withEffect">
-                                  <p:stCondLst>
-                                    <p:cond delay="0"/>
-                                  </p:stCondLst>
-                                  <p:childTnLst>
-                                    <p:animMotion origin="layout" path="M -2.91667E-6 -1.21387E-6 L -0.41784 0.31306 " pathEditMode="relative" rAng="0" ptsTypes="AA">
-                                      <p:cBhvr>
-                                        <p:cTn id="6" dur="1000" fill="hold"/>
-                                        <p:tgtEl>
-                                          <p:spTgt spid="2"/>
-                                        </p:tgtEl>
-                                        <p:attrNameLst>
-                                          <p:attrName>ppt_x</p:attrName>
-                                          <p:attrName>ppt_y</p:attrName>
-                                        </p:attrNameLst>
-                                      </p:cBhvr>
-                                      <p:rCtr x="-209" y="157"/>
-                                    </p:animMotion>
-                                  </p:childTnLst>
-                                </p:cTn>
-                              </p:par>
-                              <p:par>
-                                <p:cTn id="7" presetID="64" presetClass="path" presetSubtype="0" accel="50000" decel="50000" fill="hold" grpId="0" nodeType="withEffect">
-                                  <p:stCondLst>
-                                    <p:cond delay="0"/>
-                                  </p:stCondLst>
-                                  <p:childTnLst>
-                                    <p:animMotion origin="layout" path="M -2.91667E-6 4.68208E-6 L -0.41666 -0.39954 " pathEditMode="relative" rAng="0" ptsTypes="AA">
-                                      <p:cBhvr>
-                                        <p:cTn id="8" dur="1000" fill="hold"/>
-                                        <p:tgtEl>
-                                          <p:spTgt spid="3"/>
-                                        </p:tgtEl>
-                                        <p:attrNameLst>
-                                          <p:attrName>ppt_x</p:attrName>
-                                          <p:attrName>ppt_y</p:attrName>
-                                        </p:attrNameLst>
-                                      </p:cBhvr>
-                                      <p:rCtr x="-208" y="-200"/>
-                                    </p:animMotion>
-                                  </p:childTnLst>
-                                </p:cTn>
-                              </p:par>
-                            </p:childTnLst>
-                          </p:cTn>
-                        </p:par>
-                      </p:childTnLst>
-                    </p:cTn>
-                  </p:par>
-                </p:childTnLst>
-              </p:cTn>
-              <p:prevCondLst>
-                <p:cond evt="onPrev" delay="0">
-                  <p:tgtEl>
-                    <p:sldTgt/>
-                  </p:tgtEl>
-                </p:cond>
-              </p:prevCondLst>
-              <p:nextCondLst>
-                <p:cond evt="onNext" delay="0">
-                  <p:tgtEl>
-                    <p:sldTgt/>
-                  </p:tgtEl>
-                </p:cond>
-              </p:nextCondLst>
-            </p:seq>
-          </p:childTnLst>
-        </p:cTn>
+        <p:cTn id="1" dur="indefinite" restart="never" nodeType="tmRoot"/>
       </p:par>
     </p:tnLst>
-    <p:bldLst>
-      <p:bldP spid="3" grpId="0"/>
-    </p:bldLst>
   </p:timing>
+</p:sld>
+</file>
+
+<file path=ppt/slides/slide19.xml><?xml version="1.0" encoding="utf-8"?>
+<p:sld xmlns:a="http://schemas.openxmlformats.org/drawingml/2006/main" xmlns:r="http://schemas.openxmlformats.org/officeDocument/2006/relationships" xmlns:p="http://schemas.openxmlformats.org/presentationml/2006/main">
+  <p:cSld>
+    <p:spTree>
+      <p:nvGrpSpPr>
+        <p:cNvPr id="1" name=""/>
+        <p:cNvGrpSpPr/>
+        <p:nvPr/>
+      </p:nvGrpSpPr>
+      <p:grpSpPr/>
+      <p:sp>
+        <p:nvSpPr>
+          <p:cNvPr id="2" name="标题 1"/>
+          <p:cNvSpPr>
+            <a:spLocks noGrp="1"/>
+          </p:cNvSpPr>
+          <p:nvPr>
+            <p:ph type="title"/>
+          </p:nvPr>
+        </p:nvSpPr>
+        <p:spPr/>
+        <p:txBody>
+          <a:bodyPr/>
+          <a:p>
+            <a:endParaRPr lang="zh-CN" altLang="en-US"/>
+          </a:p>
+        </p:txBody>
+      </p:sp>
+      <p:sp>
+        <p:nvSpPr>
+          <p:cNvPr id="3" name="内容占位符 2"/>
+          <p:cNvSpPr>
+            <a:spLocks noGrp="1"/>
+          </p:cNvSpPr>
+          <p:nvPr>
+            <p:ph idx="1"/>
+          </p:nvPr>
+        </p:nvSpPr>
+        <p:spPr/>
+        <p:txBody>
+          <a:bodyPr/>
+          <a:p>
+            <a:endParaRPr lang="zh-CN" altLang="en-US"/>
+          </a:p>
+        </p:txBody>
+      </p:sp>
+    </p:spTree>
+  </p:cSld>
+  <p:clrMapOvr>
+    <a:masterClrMapping/>
+  </p:clrMapOvr>
 </p:sld>
 </file>
 
@@ -7398,6 +8705,10 @@
               </a:rPr>
               <a:t>何时使用</a:t>
             </a:r>
+            <a:endParaRPr lang="zh-CN" altLang="en-US" sz="3600" dirty="0" smtClean="0">
+              <a:latin typeface="微软雅黑 Light" pitchFamily="34" charset="-122"/>
+              <a:ea typeface="微软雅黑 Light" pitchFamily="34" charset="-122"/>
+            </a:endParaRPr>
           </a:p>
         </p:txBody>
       </p:sp>
@@ -7941,6 +9252,189 @@
       <p:bldP spid="6" grpId="2"/>
       <p:bldP spid="7" grpId="1"/>
       <p:bldP spid="7" grpId="2"/>
+    </p:bldLst>
+  </p:timing>
+</p:sld>
+</file>
+
+<file path=ppt/slides/slide20.xml><?xml version="1.0" encoding="utf-8"?>
+<p:sld xmlns:a="http://schemas.openxmlformats.org/drawingml/2006/main" xmlns:r="http://schemas.openxmlformats.org/officeDocument/2006/relationships" xmlns:p="http://schemas.openxmlformats.org/presentationml/2006/main" showMasterSp="0">
+  <p:cSld>
+    <p:spTree>
+      <p:nvGrpSpPr>
+        <p:cNvPr id="1" name=""/>
+        <p:cNvGrpSpPr/>
+        <p:nvPr/>
+      </p:nvGrpSpPr>
+      <p:grpSpPr>
+        <a:xfrm>
+          <a:off x="0" y="0"/>
+          <a:ext cx="0" cy="0"/>
+          <a:chOff x="0" y="0"/>
+          <a:chExt cx="0" cy="0"/>
+        </a:xfrm>
+      </p:grpSpPr>
+      <p:pic>
+        <p:nvPicPr>
+          <p:cNvPr id="2" name="图片 1" descr="图片1.png"/>
+          <p:cNvPicPr>
+            <a:picLocks noChangeAspect="1"/>
+          </p:cNvPicPr>
+          <p:nvPr/>
+        </p:nvPicPr>
+        <p:blipFill>
+          <a:blip r:embed="rId1" cstate="print"/>
+          <a:stretch>
+            <a:fillRect/>
+          </a:stretch>
+        </p:blipFill>
+        <p:spPr>
+          <a:xfrm>
+            <a:off x="10404568" y="308006"/>
+            <a:ext cx="1485714" cy="485714"/>
+          </a:xfrm>
+          <a:prstGeom prst="rect">
+            <a:avLst/>
+          </a:prstGeom>
+        </p:spPr>
+      </p:pic>
+      <p:sp>
+        <p:nvSpPr>
+          <p:cNvPr id="3" name="TextBox 2"/>
+          <p:cNvSpPr txBox="1"/>
+          <p:nvPr/>
+        </p:nvSpPr>
+        <p:spPr>
+          <a:xfrm>
+            <a:off x="10708843" y="6282809"/>
+            <a:ext cx="877163" cy="369332"/>
+          </a:xfrm>
+          <a:prstGeom prst="rect">
+            <a:avLst/>
+          </a:prstGeom>
+          <a:noFill/>
+        </p:spPr>
+        <p:txBody>
+          <a:bodyPr wrap="none" rtlCol="0">
+            <a:spAutoFit/>
+          </a:bodyPr>
+          <a:lstStyle/>
+          <a:p>
+            <a:r>
+              <a:rPr lang="zh-CN" altLang="en-US" dirty="0" smtClean="0">
+                <a:latin typeface="微软雅黑 Light" pitchFamily="34" charset="-122"/>
+                <a:ea typeface="微软雅黑 Light" pitchFamily="34" charset="-122"/>
+              </a:rPr>
+              <a:t>郭兴楠</a:t>
+            </a:r>
+            <a:endParaRPr lang="zh-CN" altLang="en-US" dirty="0">
+              <a:latin typeface="微软雅黑 Light" pitchFamily="34" charset="-122"/>
+              <a:ea typeface="微软雅黑 Light" pitchFamily="34" charset="-122"/>
+            </a:endParaRPr>
+          </a:p>
+        </p:txBody>
+      </p:sp>
+    </p:spTree>
+  </p:cSld>
+  <p:clrMapOvr>
+    <a:masterClrMapping/>
+  </p:clrMapOvr>
+  <p:timing>
+    <p:tnLst>
+      <p:par>
+        <p:cTn id="1" dur="indefinite" restart="never" nodeType="tmRoot">
+          <p:childTnLst>
+            <p:seq concurrent="1" nextAc="seek">
+              <p:cTn id="2" dur="indefinite" nodeType="mainSeq">
+                <p:childTnLst>
+                  <p:par>
+                    <p:cTn id="3" fill="hold">
+                      <p:stCondLst>
+                        <p:cond delay="indefinite"/>
+                        <p:cond evt="onBegin" delay="0">
+                          <p:tn val="2"/>
+                        </p:cond>
+                      </p:stCondLst>
+                      <p:childTnLst>
+                        <p:par>
+                          <p:cTn id="4" fill="hold">
+                            <p:stCondLst>
+                              <p:cond delay="0"/>
+                            </p:stCondLst>
+                            <p:childTnLst>
+                              <p:par>
+                                <p:cTn id="5" presetID="35" presetClass="path" presetSubtype="0" accel="50000" decel="50000" fill="hold" nodeType="withEffect">
+                                  <p:stCondLst>
+                                    <p:cond delay="0"/>
+                                  </p:stCondLst>
+                                  <p:childTnLst>
+                                    <p:animMotion origin="layout" path="M -2.91667E-6 -1.21387E-6 L -0.41784 0.31306 " pathEditMode="relative" rAng="0" ptsTypes="AA">
+                                      <p:cBhvr>
+                                        <p:cTn id="6" dur="1000" fill="hold"/>
+                                        <p:tgtEl>
+                                          <p:spTgt spid="2"/>
+                                        </p:tgtEl>
+                                        <p:attrNameLst>
+                                          <p:attrName>ppt_x</p:attrName>
+                                          <p:attrName>ppt_y</p:attrName>
+                                        </p:attrNameLst>
+                                      </p:cBhvr>
+                                      <p:rCtr x="-209" y="157"/>
+                                    </p:animMotion>
+                                  </p:childTnLst>
+                                </p:cTn>
+                              </p:par>
+                              <p:par>
+                                <p:cTn id="7" presetID="64" presetClass="path" presetSubtype="0" accel="50000" decel="50000" fill="hold" grpId="0" nodeType="withEffect">
+                                  <p:stCondLst>
+                                    <p:cond delay="0"/>
+                                  </p:stCondLst>
+                                  <p:childTnLst>
+                                    <p:animMotion origin="layout" path="M -2.91667E-6 4.68208E-6 L -0.41666 -0.39954 " pathEditMode="relative" rAng="0" ptsTypes="AA">
+                                      <p:cBhvr>
+                                        <p:cTn id="8" dur="1000" fill="hold"/>
+                                        <p:tgtEl>
+                                          <p:spTgt spid="3"/>
+                                        </p:tgtEl>
+                                        <p:attrNameLst>
+                                          <p:attrName>ppt_x</p:attrName>
+                                          <p:attrName>ppt_y</p:attrName>
+                                        </p:attrNameLst>
+                                      </p:cBhvr>
+                                      <p:rCtr x="-208" y="-200"/>
+                                    </p:animMotion>
+                                  </p:childTnLst>
+                                </p:cTn>
+                              </p:par>
+                            </p:childTnLst>
+                          </p:cTn>
+                        </p:par>
+                      </p:childTnLst>
+                    </p:cTn>
+                  </p:par>
+                </p:childTnLst>
+              </p:cTn>
+              <p:prevCondLst>
+                <p:cond evt="onPrev" delay="0">
+                  <p:tgtEl>
+                    <p:sldTgt/>
+                  </p:tgtEl>
+                </p:cond>
+              </p:prevCondLst>
+              <p:nextCondLst>
+                <p:cond evt="onNext" delay="0">
+                  <p:tgtEl>
+                    <p:sldTgt/>
+                  </p:tgtEl>
+                </p:cond>
+              </p:nextCondLst>
+            </p:seq>
+          </p:childTnLst>
+        </p:cTn>
+      </p:par>
+    </p:tnLst>
+    <p:bldLst>
+      <p:bldP spid="3" grpId="0"/>
     </p:bldLst>
   </p:timing>
 </p:sld>
@@ -8211,7 +9705,7 @@
           <p:nvPr/>
         </p:nvPicPr>
         <p:blipFill>
-          <a:blip r:embed="rId2" cstate="print"/>
+          <a:blip r:embed="rId1" cstate="print"/>
           <a:stretch>
             <a:fillRect/>
           </a:stretch>
@@ -8235,7 +9729,7 @@
           <p:nvPr/>
         </p:nvPicPr>
         <p:blipFill>
-          <a:blip r:embed="rId3" cstate="print"/>
+          <a:blip r:embed="rId2" cstate="print"/>
           <a:stretch>
             <a:fillRect/>
           </a:stretch>
@@ -8259,7 +9753,7 @@
           <p:nvPr/>
         </p:nvPicPr>
         <p:blipFill>
-          <a:blip r:embed="rId4" cstate="print"/>
+          <a:blip r:embed="rId3" cstate="print"/>
           <a:stretch>
             <a:fillRect/>
           </a:stretch>
@@ -8425,7 +9919,7 @@
           <p:nvPr/>
         </p:nvPicPr>
         <p:blipFill>
-          <a:blip r:embed="rId2" cstate="print"/>
+          <a:blip r:embed="rId1" cstate="print"/>
           <a:stretch>
             <a:fillRect/>
           </a:stretch>
@@ -8449,7 +9943,7 @@
           <p:nvPr/>
         </p:nvPicPr>
         <p:blipFill>
-          <a:blip r:embed="rId3" cstate="print"/>
+          <a:blip r:embed="rId2" cstate="print"/>
           <a:stretch>
             <a:fillRect/>
           </a:stretch>
@@ -8473,7 +9967,7 @@
           <p:nvPr/>
         </p:nvPicPr>
         <p:blipFill>
-          <a:blip r:embed="rId4" cstate="print"/>
+          <a:blip r:embed="rId3" cstate="print"/>
           <a:stretch>
             <a:fillRect/>
           </a:stretch>
@@ -8617,7 +10111,7 @@
           <p:nvPr/>
         </p:nvPicPr>
         <p:blipFill>
-          <a:blip r:embed="rId2" cstate="print"/>
+          <a:blip r:embed="rId1" cstate="print"/>
           <a:stretch>
             <a:fillRect/>
           </a:stretch>
@@ -8641,7 +10135,7 @@
           <p:nvPr/>
         </p:nvPicPr>
         <p:blipFill>
-          <a:blip r:embed="rId3" cstate="print"/>
+          <a:blip r:embed="rId2" cstate="print"/>
           <a:stretch>
             <a:fillRect/>
           </a:stretch>
@@ -8665,7 +10159,7 @@
           <p:nvPr/>
         </p:nvPicPr>
         <p:blipFill>
-          <a:blip r:embed="rId4" cstate="print"/>
+          <a:blip r:embed="rId3" cstate="print"/>
           <a:stretch>
             <a:fillRect/>
           </a:stretch>
@@ -8809,7 +10303,7 @@
           <p:nvPr/>
         </p:nvPicPr>
         <p:blipFill>
-          <a:blip r:embed="rId2" cstate="print"/>
+          <a:blip r:embed="rId1" cstate="print"/>
           <a:stretch>
             <a:fillRect/>
           </a:stretch>
@@ -8833,7 +10327,7 @@
           <p:nvPr/>
         </p:nvPicPr>
         <p:blipFill>
-          <a:blip r:embed="rId3" cstate="print"/>
+          <a:blip r:embed="rId2" cstate="print"/>
           <a:stretch>
             <a:fillRect/>
           </a:stretch>
@@ -8857,7 +10351,7 @@
           <p:nvPr/>
         </p:nvPicPr>
         <p:blipFill>
-          <a:blip r:embed="rId4" cstate="print"/>
+          <a:blip r:embed="rId3" cstate="print"/>
           <a:stretch>
             <a:fillRect/>
           </a:stretch>
@@ -9196,6 +10690,15 @@
                 </a:rPr>
                 <a:t>何时使用</a:t>
               </a:r>
+              <a:endParaRPr lang="zh-CN" altLang="en-US" sz="3600" dirty="0" smtClean="0">
+                <a:solidFill>
+                  <a:schemeClr val="bg2">
+                    <a:lumMod val="90000"/>
+                  </a:schemeClr>
+                </a:solidFill>
+                <a:latin typeface="微软雅黑 Light" pitchFamily="34" charset="-122"/>
+                <a:ea typeface="微软雅黑 Light" pitchFamily="34" charset="-122"/>
+              </a:endParaRPr>
             </a:p>
           </p:txBody>
         </p:sp>
@@ -9578,7 +11081,7 @@
         <p:spPr>
           <a:xfrm>
             <a:off x="5080000" y="4695369"/>
-            <a:ext cx="2031325" cy="646331"/>
+            <a:ext cx="2011680" cy="668655"/>
           </a:xfrm>
           <a:prstGeom prst="rect">
             <a:avLst/>
@@ -9592,11 +11095,11 @@
           <a:lstStyle/>
           <a:p>
             <a:r>
-              <a:rPr lang="zh-CN" altLang="en-US" sz="3600" dirty="0" smtClean="0">
+              <a:rPr lang="zh-CN" altLang="en-US" sz="3600" dirty="0">
                 <a:latin typeface="微软雅黑 Light" pitchFamily="34" charset="-122"/>
                 <a:ea typeface="微软雅黑 Light" pitchFamily="34" charset="-122"/>
               </a:rPr>
-              <a:t>不讲不快</a:t>
+              <a:t>太广泛了</a:t>
             </a:r>
             <a:endParaRPr lang="zh-CN" altLang="en-US" sz="3600" dirty="0">
               <a:latin typeface="微软雅黑 Light" pitchFamily="34" charset="-122"/>
@@ -10374,7 +11877,7 @@
   <a:extraClrSchemeLst/>
   <a:extLst>
     <a:ext uri="{05A4C25C-085E-4340-85A3-A5531E510DB2}">
-      <thm15:themeFamily xmlns="" xmlns:thm15="http://schemas.microsoft.com/office/thememl/2012/main" name="Office Theme" id="{62F939B6-93AF-4DB8-9C6B-D6C7DFDC589F}" vid="{4A3C46E8-61CC-4603-A589-7422A47A8E4A}"/>
+      <thm15:themeFamily xmlns:thm15="http://schemas.microsoft.com/office/thememl/2012/main" name="Office Theme" id="{62F939B6-93AF-4DB8-9C6B-D6C7DFDC589F}" vid="{4A3C46E8-61CC-4603-A589-7422A47A8E4A}"/>
     </a:ext>
   </a:extLst>
 </a:theme>
